--- a/pics/2021-05-05-ODE_and_natural_number_e/pics.pptx
+++ b/pics/2021-05-05-ODE_and_natural_number_e/pics.pptx
@@ -6,6 +6,7 @@
   </p:sldMasterIdLst>
   <p:sldIdLst>
     <p:sldId id="256" r:id="rId2"/>
+    <p:sldId id="257" r:id="rId3"/>
   </p:sldIdLst>
   <p:sldSz cx="9144000" cy="6858000" type="screen4x3"/>
   <p:notesSz cx="6858000" cy="9144000"/>
@@ -3035,8 +3036,8 @@
           <a:chExt cx="0" cy="0"/>
         </a:xfrm>
       </p:grpSpPr>
-      <mc:AlternateContent xmlns:mc="http://schemas.openxmlformats.org/markup-compatibility/2006">
-        <mc:Choice xmlns:a14="http://schemas.microsoft.com/office/drawing/2010/main" Requires="a14">
+      <mc:AlternateContent xmlns:mc="http://schemas.openxmlformats.org/markup-compatibility/2006" xmlns:a14="http://schemas.microsoft.com/office/drawing/2010/main">
+        <mc:Choice Requires="a14">
           <p:sp>
             <p:nvSpPr>
               <p:cNvPr id="4" name="TextBox 3"/>
@@ -3059,6 +3060,7 @@
               </a:bodyPr>
               <a:lstStyle/>
               <a:p>
+                <a:pPr/>
                 <a14:m>
                   <m:oMathPara xmlns:m="http://schemas.openxmlformats.org/officeDocument/2006/math">
                     <m:oMathParaPr>
@@ -3140,7 +3142,7 @@
             </p:txBody>
           </p:sp>
         </mc:Choice>
-        <mc:Fallback>
+        <mc:Fallback xmlns="">
           <p:sp>
             <p:nvSpPr>
               <p:cNvPr id="4" name="TextBox 3"/>
@@ -3179,8 +3181,8 @@
           </p:sp>
         </mc:Fallback>
       </mc:AlternateContent>
-      <mc:AlternateContent xmlns:mc="http://schemas.openxmlformats.org/markup-compatibility/2006">
-        <mc:Choice xmlns:a14="http://schemas.microsoft.com/office/drawing/2010/main" Requires="a14">
+      <mc:AlternateContent xmlns:mc="http://schemas.openxmlformats.org/markup-compatibility/2006" xmlns:a14="http://schemas.microsoft.com/office/drawing/2010/main">
+        <mc:Choice Requires="a14">
           <p:sp>
             <p:nvSpPr>
               <p:cNvPr id="5" name="TextBox 4"/>
@@ -3203,6 +3205,7 @@
               </a:bodyPr>
               <a:lstStyle/>
               <a:p>
+                <a:pPr/>
                 <a14:m>
                   <m:oMathPara xmlns:m="http://schemas.openxmlformats.org/officeDocument/2006/math">
                     <m:oMathParaPr>
@@ -3365,7 +3368,7 @@
             </p:txBody>
           </p:sp>
         </mc:Choice>
-        <mc:Fallback>
+        <mc:Fallback xmlns="">
           <p:sp>
             <p:nvSpPr>
               <p:cNvPr id="5" name="TextBox 4"/>
@@ -3404,8 +3407,8 @@
           </p:sp>
         </mc:Fallback>
       </mc:AlternateContent>
-      <mc:AlternateContent xmlns:mc="http://schemas.openxmlformats.org/markup-compatibility/2006">
-        <mc:Choice xmlns:a14="http://schemas.microsoft.com/office/drawing/2010/main" Requires="a14">
+      <mc:AlternateContent xmlns:mc="http://schemas.openxmlformats.org/markup-compatibility/2006" xmlns:a14="http://schemas.microsoft.com/office/drawing/2010/main">
+        <mc:Choice Requires="a14">
           <p:sp>
             <p:nvSpPr>
               <p:cNvPr id="6" name="TextBox 5"/>
@@ -3428,6 +3431,7 @@
               </a:bodyPr>
               <a:lstStyle/>
               <a:p>
+                <a:pPr/>
                 <a14:m>
                   <m:oMathPara xmlns:m="http://schemas.openxmlformats.org/officeDocument/2006/math">
                     <m:oMathParaPr>
@@ -3573,7 +3577,7 @@
             </p:txBody>
           </p:sp>
         </mc:Choice>
-        <mc:Fallback>
+        <mc:Fallback xmlns="">
           <p:sp>
             <p:nvSpPr>
               <p:cNvPr id="6" name="TextBox 5"/>
@@ -3910,6 +3914,1518 @@
     <p:extLst>
       <p:ext uri="{BB962C8B-B14F-4D97-AF65-F5344CB8AC3E}">
         <p14:creationId xmlns:p14="http://schemas.microsoft.com/office/powerpoint/2010/main" val="2425135153"/>
+      </p:ext>
+    </p:extLst>
+  </p:cSld>
+  <p:clrMapOvr>
+    <a:masterClrMapping/>
+  </p:clrMapOvr>
+</p:sld>
+</file>
+
+<file path=ppt/slides/slide2.xml><?xml version="1.0" encoding="utf-8"?>
+<p:sld xmlns:a="http://schemas.openxmlformats.org/drawingml/2006/main" xmlns:r="http://schemas.openxmlformats.org/officeDocument/2006/relationships" xmlns:p="http://schemas.openxmlformats.org/presentationml/2006/main">
+  <p:cSld>
+    <p:spTree>
+      <p:nvGrpSpPr>
+        <p:cNvPr id="1" name=""/>
+        <p:cNvGrpSpPr/>
+        <p:nvPr/>
+      </p:nvGrpSpPr>
+      <p:grpSpPr>
+        <a:xfrm>
+          <a:off x="0" y="0"/>
+          <a:ext cx="0" cy="0"/>
+          <a:chOff x="0" y="0"/>
+          <a:chExt cx="0" cy="0"/>
+        </a:xfrm>
+      </p:grpSpPr>
+      <p:pic>
+        <p:nvPicPr>
+          <p:cNvPr id="1027" name="Picture 3"/>
+          <p:cNvPicPr>
+            <a:picLocks noChangeAspect="1" noChangeArrowheads="1"/>
+          </p:cNvPicPr>
+          <p:nvPr/>
+        </p:nvPicPr>
+        <p:blipFill>
+          <a:blip r:embed="rId2">
+            <a:extLst>
+              <a:ext uri="{28A0092B-C50C-407E-A947-70E740481C1C}">
+                <a14:useLocalDpi xmlns:a14="http://schemas.microsoft.com/office/drawing/2010/main" val="0"/>
+              </a:ext>
+            </a:extLst>
+          </a:blip>
+          <a:srcRect/>
+          <a:stretch>
+            <a:fillRect/>
+          </a:stretch>
+        </p:blipFill>
+        <p:spPr bwMode="auto">
+          <a:xfrm>
+            <a:off x="-185738" y="338138"/>
+            <a:ext cx="9515476" cy="6181725"/>
+          </a:xfrm>
+          <a:prstGeom prst="rect">
+            <a:avLst/>
+          </a:prstGeom>
+          <a:noFill/>
+          <a:ln>
+            <a:noFill/>
+          </a:ln>
+          <a:effectLst/>
+          <a:extLst>
+            <a:ext uri="{909E8E84-426E-40DD-AFC4-6F175D3DCCD1}">
+              <a14:hiddenFill xmlns:a14="http://schemas.microsoft.com/office/drawing/2010/main">
+                <a:solidFill>
+                  <a:schemeClr val="accent1"/>
+                </a:solidFill>
+              </a14:hiddenFill>
+            </a:ext>
+            <a:ext uri="{91240B29-F687-4F45-9708-019B960494DF}">
+              <a14:hiddenLine xmlns:a14="http://schemas.microsoft.com/office/drawing/2010/main" w="9525">
+                <a:solidFill>
+                  <a:schemeClr val="tx1"/>
+                </a:solidFill>
+                <a:miter lim="800000"/>
+                <a:headEnd/>
+                <a:tailEnd/>
+              </a14:hiddenLine>
+            </a:ext>
+            <a:ext uri="{AF507438-7753-43E0-B8FC-AC1667EBCBE1}">
+              <a14:hiddenEffects xmlns:a14="http://schemas.microsoft.com/office/drawing/2010/main">
+                <a:effectLst>
+                  <a:outerShdw dist="35921" dir="2700000" algn="ctr" rotWithShape="0">
+                    <a:schemeClr val="bg2"/>
+                  </a:outerShdw>
+                </a:effectLst>
+              </a14:hiddenEffects>
+            </a:ext>
+          </a:extLst>
+        </p:spPr>
+      </p:pic>
+      <mc:AlternateContent xmlns:mc="http://schemas.openxmlformats.org/markup-compatibility/2006">
+        <mc:Choice xmlns:a14="http://schemas.microsoft.com/office/drawing/2010/main" Requires="a14">
+          <p:sp>
+            <p:nvSpPr>
+              <p:cNvPr id="4" name="TextBox 3"/>
+              <p:cNvSpPr txBox="1"/>
+              <p:nvPr/>
+            </p:nvSpPr>
+            <p:spPr>
+              <a:xfrm>
+                <a:off x="4327098" y="5445224"/>
+                <a:ext cx="461728" cy="369332"/>
+              </a:xfrm>
+              <a:prstGeom prst="rect">
+                <a:avLst/>
+              </a:prstGeom>
+              <a:noFill/>
+            </p:spPr>
+            <p:txBody>
+              <a:bodyPr wrap="none" rtlCol="0">
+                <a:spAutoFit/>
+              </a:bodyPr>
+              <a:lstStyle/>
+              <a:p>
+                <a14:m>
+                  <m:oMathPara xmlns:m="http://schemas.openxmlformats.org/officeDocument/2006/math">
+                    <m:oMathParaPr>
+                      <m:jc m:val="centerGroup"/>
+                    </m:oMathParaPr>
+                    <m:oMath xmlns:m="http://schemas.openxmlformats.org/officeDocument/2006/math">
+                      <m:sSub>
+                        <m:sSubPr>
+                          <m:ctrlPr>
+                            <a:rPr lang="en-US" altLang="ko-KR" b="0" i="1" smtClean="0">
+                              <a:latin typeface="Cambria Math"/>
+                            </a:rPr>
+                          </m:ctrlPr>
+                        </m:sSubPr>
+                        <m:e>
+                          <m:r>
+                            <a:rPr lang="en-US" altLang="ko-KR" b="0" i="1" smtClean="0">
+                              <a:latin typeface="Cambria Math"/>
+                            </a:rPr>
+                            <m:t>𝑡</m:t>
+                          </m:r>
+                        </m:e>
+                        <m:sub>
+                          <m:r>
+                            <a:rPr lang="en-US" altLang="ko-KR" b="0" i="1" smtClean="0">
+                              <a:latin typeface="Cambria Math"/>
+                            </a:rPr>
+                            <m:t>0</m:t>
+                          </m:r>
+                        </m:sub>
+                      </m:sSub>
+                    </m:oMath>
+                  </m:oMathPara>
+                </a14:m>
+                <a:endParaRPr lang="ko-KR" altLang="en-US" dirty="0"/>
+              </a:p>
+            </p:txBody>
+          </p:sp>
+        </mc:Choice>
+        <mc:Fallback>
+          <p:sp>
+            <p:nvSpPr>
+              <p:cNvPr id="4" name="TextBox 3"/>
+              <p:cNvSpPr txBox="1">
+                <a:spLocks noRot="1" noChangeAspect="1" noMove="1" noResize="1" noEditPoints="1" noAdjustHandles="1" noChangeArrowheads="1" noChangeShapeType="1" noTextEdit="1"/>
+              </p:cNvSpPr>
+              <p:nvPr/>
+            </p:nvSpPr>
+            <p:spPr>
+              <a:xfrm>
+                <a:off x="4327098" y="5445224"/>
+                <a:ext cx="461728" cy="369332"/>
+              </a:xfrm>
+              <a:prstGeom prst="rect">
+                <a:avLst/>
+              </a:prstGeom>
+              <a:blipFill rotWithShape="1">
+                <a:blip r:embed="rId3"/>
+                <a:stretch>
+                  <a:fillRect b="-1639"/>
+                </a:stretch>
+              </a:blipFill>
+            </p:spPr>
+            <p:txBody>
+              <a:bodyPr/>
+              <a:lstStyle/>
+              <a:p>
+                <a:r>
+                  <a:rPr lang="ko-KR" altLang="en-US">
+                    <a:noFill/>
+                  </a:rPr>
+                  <a:t> </a:t>
+                </a:r>
+              </a:p>
+            </p:txBody>
+          </p:sp>
+        </mc:Fallback>
+      </mc:AlternateContent>
+      <mc:AlternateContent xmlns:mc="http://schemas.openxmlformats.org/markup-compatibility/2006">
+        <mc:Choice xmlns:a14="http://schemas.microsoft.com/office/drawing/2010/main" Requires="a14">
+          <p:sp>
+            <p:nvSpPr>
+              <p:cNvPr id="6" name="TextBox 5"/>
+              <p:cNvSpPr txBox="1"/>
+              <p:nvPr/>
+            </p:nvSpPr>
+            <p:spPr>
+              <a:xfrm>
+                <a:off x="2699792" y="5445224"/>
+                <a:ext cx="972317" cy="369332"/>
+              </a:xfrm>
+              <a:prstGeom prst="rect">
+                <a:avLst/>
+              </a:prstGeom>
+              <a:noFill/>
+            </p:spPr>
+            <p:txBody>
+              <a:bodyPr wrap="none" rtlCol="0">
+                <a:spAutoFit/>
+              </a:bodyPr>
+              <a:lstStyle/>
+              <a:p>
+                <a14:m>
+                  <m:oMathPara xmlns:m="http://schemas.openxmlformats.org/officeDocument/2006/math">
+                    <m:oMathParaPr>
+                      <m:jc m:val="centerGroup"/>
+                    </m:oMathParaPr>
+                    <m:oMath xmlns:m="http://schemas.openxmlformats.org/officeDocument/2006/math">
+                      <m:sSub>
+                        <m:sSubPr>
+                          <m:ctrlPr>
+                            <a:rPr lang="en-US" altLang="ko-KR" b="0" i="1" smtClean="0">
+                              <a:latin typeface="Cambria Math"/>
+                            </a:rPr>
+                          </m:ctrlPr>
+                        </m:sSubPr>
+                        <m:e>
+                          <m:r>
+                            <a:rPr lang="en-US" altLang="ko-KR" b="0" i="1" smtClean="0">
+                              <a:latin typeface="Cambria Math"/>
+                            </a:rPr>
+                            <m:t>𝑡</m:t>
+                          </m:r>
+                        </m:e>
+                        <m:sub>
+                          <m:r>
+                            <a:rPr lang="en-US" altLang="ko-KR" b="0" i="1" smtClean="0">
+                              <a:latin typeface="Cambria Math"/>
+                            </a:rPr>
+                            <m:t>0</m:t>
+                          </m:r>
+                        </m:sub>
+                      </m:sSub>
+                      <m:r>
+                        <a:rPr lang="en-US" altLang="ko-KR" b="0" i="1" smtClean="0">
+                          <a:latin typeface="Cambria Math"/>
+                        </a:rPr>
+                        <m:t>−</m:t>
+                      </m:r>
+                      <m:r>
+                        <m:rPr>
+                          <m:sty m:val="p"/>
+                        </m:rPr>
+                        <a:rPr lang="en-US" altLang="ko-KR" b="0" i="0" smtClean="0">
+                          <a:latin typeface="Cambria Math"/>
+                        </a:rPr>
+                        <m:t>Δ</m:t>
+                      </m:r>
+                      <m:r>
+                        <a:rPr lang="en-US" altLang="ko-KR" b="0" i="1" smtClean="0">
+                          <a:latin typeface="Cambria Math"/>
+                        </a:rPr>
+                        <m:t>𝑡</m:t>
+                      </m:r>
+                    </m:oMath>
+                  </m:oMathPara>
+                </a14:m>
+                <a:endParaRPr lang="ko-KR" altLang="en-US" dirty="0"/>
+              </a:p>
+            </p:txBody>
+          </p:sp>
+        </mc:Choice>
+        <mc:Fallback>
+          <p:sp>
+            <p:nvSpPr>
+              <p:cNvPr id="6" name="TextBox 5"/>
+              <p:cNvSpPr txBox="1">
+                <a:spLocks noRot="1" noChangeAspect="1" noMove="1" noResize="1" noEditPoints="1" noAdjustHandles="1" noChangeArrowheads="1" noChangeShapeType="1" noTextEdit="1"/>
+              </p:cNvSpPr>
+              <p:nvPr/>
+            </p:nvSpPr>
+            <p:spPr>
+              <a:xfrm>
+                <a:off x="2699792" y="5445224"/>
+                <a:ext cx="972317" cy="369332"/>
+              </a:xfrm>
+              <a:prstGeom prst="rect">
+                <a:avLst/>
+              </a:prstGeom>
+              <a:blipFill rotWithShape="1">
+                <a:blip r:embed="rId4"/>
+                <a:stretch>
+                  <a:fillRect b="-1639"/>
+                </a:stretch>
+              </a:blipFill>
+            </p:spPr>
+            <p:txBody>
+              <a:bodyPr/>
+              <a:lstStyle/>
+              <a:p>
+                <a:r>
+                  <a:rPr lang="ko-KR" altLang="en-US">
+                    <a:noFill/>
+                  </a:rPr>
+                  <a:t> </a:t>
+                </a:r>
+              </a:p>
+            </p:txBody>
+          </p:sp>
+        </mc:Fallback>
+      </mc:AlternateContent>
+      <mc:AlternateContent xmlns:mc="http://schemas.openxmlformats.org/markup-compatibility/2006">
+        <mc:Choice xmlns:a14="http://schemas.microsoft.com/office/drawing/2010/main" Requires="a14">
+          <p:sp>
+            <p:nvSpPr>
+              <p:cNvPr id="7" name="TextBox 6"/>
+              <p:cNvSpPr txBox="1"/>
+              <p:nvPr/>
+            </p:nvSpPr>
+            <p:spPr>
+              <a:xfrm>
+                <a:off x="5940152" y="5445224"/>
+                <a:ext cx="972317" cy="369332"/>
+              </a:xfrm>
+              <a:prstGeom prst="rect">
+                <a:avLst/>
+              </a:prstGeom>
+              <a:noFill/>
+            </p:spPr>
+            <p:txBody>
+              <a:bodyPr wrap="none" rtlCol="0">
+                <a:spAutoFit/>
+              </a:bodyPr>
+              <a:lstStyle/>
+              <a:p>
+                <a14:m>
+                  <m:oMathPara xmlns:m="http://schemas.openxmlformats.org/officeDocument/2006/math">
+                    <m:oMathParaPr>
+                      <m:jc m:val="centerGroup"/>
+                    </m:oMathParaPr>
+                    <m:oMath xmlns:m="http://schemas.openxmlformats.org/officeDocument/2006/math">
+                      <m:sSub>
+                        <m:sSubPr>
+                          <m:ctrlPr>
+                            <a:rPr lang="en-US" altLang="ko-KR" b="0" i="1" smtClean="0">
+                              <a:latin typeface="Cambria Math"/>
+                            </a:rPr>
+                          </m:ctrlPr>
+                        </m:sSubPr>
+                        <m:e>
+                          <m:r>
+                            <a:rPr lang="en-US" altLang="ko-KR" b="0" i="1" smtClean="0">
+                              <a:latin typeface="Cambria Math"/>
+                            </a:rPr>
+                            <m:t>𝑡</m:t>
+                          </m:r>
+                        </m:e>
+                        <m:sub>
+                          <m:r>
+                            <a:rPr lang="en-US" altLang="ko-KR" b="0" i="1" smtClean="0">
+                              <a:latin typeface="Cambria Math"/>
+                            </a:rPr>
+                            <m:t>0</m:t>
+                          </m:r>
+                        </m:sub>
+                      </m:sSub>
+                      <m:r>
+                        <a:rPr lang="en-US" altLang="ko-KR" b="0" i="1" smtClean="0">
+                          <a:latin typeface="Cambria Math"/>
+                        </a:rPr>
+                        <m:t>+</m:t>
+                      </m:r>
+                      <m:r>
+                        <m:rPr>
+                          <m:sty m:val="p"/>
+                        </m:rPr>
+                        <a:rPr lang="en-US" altLang="ko-KR" b="0" i="0" smtClean="0">
+                          <a:latin typeface="Cambria Math"/>
+                        </a:rPr>
+                        <m:t>Δ</m:t>
+                      </m:r>
+                      <m:r>
+                        <a:rPr lang="en-US" altLang="ko-KR" b="0" i="1" smtClean="0">
+                          <a:latin typeface="Cambria Math"/>
+                        </a:rPr>
+                        <m:t>𝑡</m:t>
+                      </m:r>
+                    </m:oMath>
+                  </m:oMathPara>
+                </a14:m>
+                <a:endParaRPr lang="ko-KR" altLang="en-US" dirty="0"/>
+              </a:p>
+            </p:txBody>
+          </p:sp>
+        </mc:Choice>
+        <mc:Fallback>
+          <p:sp>
+            <p:nvSpPr>
+              <p:cNvPr id="7" name="TextBox 6"/>
+              <p:cNvSpPr txBox="1">
+                <a:spLocks noRot="1" noChangeAspect="1" noMove="1" noResize="1" noEditPoints="1" noAdjustHandles="1" noChangeArrowheads="1" noChangeShapeType="1" noTextEdit="1"/>
+              </p:cNvSpPr>
+              <p:nvPr/>
+            </p:nvSpPr>
+            <p:spPr>
+              <a:xfrm>
+                <a:off x="5940152" y="5445224"/>
+                <a:ext cx="972317" cy="369332"/>
+              </a:xfrm>
+              <a:prstGeom prst="rect">
+                <a:avLst/>
+              </a:prstGeom>
+              <a:blipFill rotWithShape="1">
+                <a:blip r:embed="rId5"/>
+                <a:stretch>
+                  <a:fillRect b="-1639"/>
+                </a:stretch>
+              </a:blipFill>
+            </p:spPr>
+            <p:txBody>
+              <a:bodyPr/>
+              <a:lstStyle/>
+              <a:p>
+                <a:r>
+                  <a:rPr lang="ko-KR" altLang="en-US">
+                    <a:noFill/>
+                  </a:rPr>
+                  <a:t> </a:t>
+                </a:r>
+              </a:p>
+            </p:txBody>
+          </p:sp>
+        </mc:Fallback>
+      </mc:AlternateContent>
+      <mc:AlternateContent xmlns:mc="http://schemas.openxmlformats.org/markup-compatibility/2006">
+        <mc:Choice xmlns:a14="http://schemas.microsoft.com/office/drawing/2010/main" Requires="a14">
+          <p:sp>
+            <p:nvSpPr>
+              <p:cNvPr id="9" name="TextBox 8"/>
+              <p:cNvSpPr txBox="1"/>
+              <p:nvPr/>
+            </p:nvSpPr>
+            <p:spPr>
+              <a:xfrm>
+                <a:off x="4179745" y="3051394"/>
+                <a:ext cx="784509" cy="369332"/>
+              </a:xfrm>
+              <a:prstGeom prst="rect">
+                <a:avLst/>
+              </a:prstGeom>
+              <a:noFill/>
+            </p:spPr>
+            <p:txBody>
+              <a:bodyPr wrap="none" rtlCol="0">
+                <a:spAutoFit/>
+              </a:bodyPr>
+              <a:lstStyle/>
+              <a:p>
+                <a14:m>
+                  <m:oMathPara xmlns:m="http://schemas.openxmlformats.org/officeDocument/2006/math">
+                    <m:oMathParaPr>
+                      <m:jc m:val="centerGroup"/>
+                    </m:oMathParaPr>
+                    <m:oMath xmlns:m="http://schemas.openxmlformats.org/officeDocument/2006/math">
+                      <m:r>
+                        <a:rPr lang="en-US" altLang="ko-KR" b="0" i="1" smtClean="0">
+                          <a:latin typeface="Cambria Math"/>
+                        </a:rPr>
+                        <m:t>𝑥</m:t>
+                      </m:r>
+                      <m:r>
+                        <a:rPr lang="en-US" altLang="ko-KR" b="0" i="1" smtClean="0">
+                          <a:latin typeface="Cambria Math"/>
+                        </a:rPr>
+                        <m:t>(</m:t>
+                      </m:r>
+                      <m:sSub>
+                        <m:sSubPr>
+                          <m:ctrlPr>
+                            <a:rPr lang="en-US" altLang="ko-KR" b="0" i="1" smtClean="0">
+                              <a:latin typeface="Cambria Math"/>
+                            </a:rPr>
+                          </m:ctrlPr>
+                        </m:sSubPr>
+                        <m:e>
+                          <m:r>
+                            <a:rPr lang="en-US" altLang="ko-KR" b="0" i="1" smtClean="0">
+                              <a:latin typeface="Cambria Math"/>
+                            </a:rPr>
+                            <m:t>𝑡</m:t>
+                          </m:r>
+                        </m:e>
+                        <m:sub>
+                          <m:r>
+                            <a:rPr lang="en-US" altLang="ko-KR" b="0" i="1" smtClean="0">
+                              <a:latin typeface="Cambria Math"/>
+                            </a:rPr>
+                            <m:t>0</m:t>
+                          </m:r>
+                        </m:sub>
+                      </m:sSub>
+                      <m:r>
+                        <a:rPr lang="en-US" altLang="ko-KR" b="0" i="1" smtClean="0">
+                          <a:latin typeface="Cambria Math"/>
+                        </a:rPr>
+                        <m:t>)</m:t>
+                      </m:r>
+                    </m:oMath>
+                  </m:oMathPara>
+                </a14:m>
+                <a:endParaRPr lang="ko-KR" altLang="en-US" dirty="0"/>
+              </a:p>
+            </p:txBody>
+          </p:sp>
+        </mc:Choice>
+        <mc:Fallback>
+          <p:sp>
+            <p:nvSpPr>
+              <p:cNvPr id="9" name="TextBox 8"/>
+              <p:cNvSpPr txBox="1">
+                <a:spLocks noRot="1" noChangeAspect="1" noMove="1" noResize="1" noEditPoints="1" noAdjustHandles="1" noChangeArrowheads="1" noChangeShapeType="1" noTextEdit="1"/>
+              </p:cNvSpPr>
+              <p:nvPr/>
+            </p:nvSpPr>
+            <p:spPr>
+              <a:xfrm>
+                <a:off x="4179745" y="3051394"/>
+                <a:ext cx="784509" cy="369332"/>
+              </a:xfrm>
+              <a:prstGeom prst="rect">
+                <a:avLst/>
+              </a:prstGeom>
+              <a:blipFill rotWithShape="1">
+                <a:blip r:embed="rId6"/>
+                <a:stretch>
+                  <a:fillRect b="-16667"/>
+                </a:stretch>
+              </a:blipFill>
+            </p:spPr>
+            <p:txBody>
+              <a:bodyPr/>
+              <a:lstStyle/>
+              <a:p>
+                <a:r>
+                  <a:rPr lang="ko-KR" altLang="en-US">
+                    <a:noFill/>
+                  </a:rPr>
+                  <a:t> </a:t>
+                </a:r>
+              </a:p>
+            </p:txBody>
+          </p:sp>
+        </mc:Fallback>
+      </mc:AlternateContent>
+      <mc:AlternateContent xmlns:mc="http://schemas.openxmlformats.org/markup-compatibility/2006">
+        <mc:Choice xmlns:a14="http://schemas.microsoft.com/office/drawing/2010/main" Requires="a14">
+          <p:sp>
+            <p:nvSpPr>
+              <p:cNvPr id="10" name="TextBox 9"/>
+              <p:cNvSpPr txBox="1"/>
+              <p:nvPr/>
+            </p:nvSpPr>
+            <p:spPr>
+              <a:xfrm>
+                <a:off x="1835696" y="764704"/>
+                <a:ext cx="686213" cy="369332"/>
+              </a:xfrm>
+              <a:prstGeom prst="rect">
+                <a:avLst/>
+              </a:prstGeom>
+              <a:noFill/>
+            </p:spPr>
+            <p:txBody>
+              <a:bodyPr wrap="none" rtlCol="0">
+                <a:spAutoFit/>
+              </a:bodyPr>
+              <a:lstStyle/>
+              <a:p>
+                <a14:m>
+                  <m:oMathPara xmlns:m="http://schemas.openxmlformats.org/officeDocument/2006/math">
+                    <m:oMathParaPr>
+                      <m:jc m:val="centerGroup"/>
+                    </m:oMathParaPr>
+                    <m:oMath xmlns:m="http://schemas.openxmlformats.org/officeDocument/2006/math">
+                      <m:r>
+                        <a:rPr lang="en-US" altLang="ko-KR" b="0" i="1" smtClean="0">
+                          <a:latin typeface="Cambria Math"/>
+                        </a:rPr>
+                        <m:t>𝑥</m:t>
+                      </m:r>
+                      <m:r>
+                        <a:rPr lang="en-US" altLang="ko-KR" b="0" i="1" smtClean="0">
+                          <a:latin typeface="Cambria Math"/>
+                        </a:rPr>
+                        <m:t>(</m:t>
+                      </m:r>
+                      <m:r>
+                        <a:rPr lang="en-US" altLang="ko-KR" b="0" i="1" smtClean="0">
+                          <a:latin typeface="Cambria Math"/>
+                        </a:rPr>
+                        <m:t>𝑡</m:t>
+                      </m:r>
+                      <m:r>
+                        <a:rPr lang="en-US" altLang="ko-KR" b="0" i="1" smtClean="0">
+                          <a:latin typeface="Cambria Math"/>
+                        </a:rPr>
+                        <m:t>)</m:t>
+                      </m:r>
+                    </m:oMath>
+                  </m:oMathPara>
+                </a14:m>
+                <a:endParaRPr lang="ko-KR" altLang="en-US" dirty="0"/>
+              </a:p>
+            </p:txBody>
+          </p:sp>
+        </mc:Choice>
+        <mc:Fallback>
+          <p:sp>
+            <p:nvSpPr>
+              <p:cNvPr id="10" name="TextBox 9"/>
+              <p:cNvSpPr txBox="1">
+                <a:spLocks noRot="1" noChangeAspect="1" noMove="1" noResize="1" noEditPoints="1" noAdjustHandles="1" noChangeArrowheads="1" noChangeShapeType="1" noTextEdit="1"/>
+              </p:cNvSpPr>
+              <p:nvPr/>
+            </p:nvSpPr>
+            <p:spPr>
+              <a:xfrm>
+                <a:off x="1835696" y="764704"/>
+                <a:ext cx="686213" cy="369332"/>
+              </a:xfrm>
+              <a:prstGeom prst="rect">
+                <a:avLst/>
+              </a:prstGeom>
+              <a:blipFill rotWithShape="1">
+                <a:blip r:embed="rId7"/>
+                <a:stretch>
+                  <a:fillRect b="-14754"/>
+                </a:stretch>
+              </a:blipFill>
+            </p:spPr>
+            <p:txBody>
+              <a:bodyPr/>
+              <a:lstStyle/>
+              <a:p>
+                <a:r>
+                  <a:rPr lang="ko-KR" altLang="en-US">
+                    <a:noFill/>
+                  </a:rPr>
+                  <a:t> </a:t>
+                </a:r>
+              </a:p>
+            </p:txBody>
+          </p:sp>
+        </mc:Fallback>
+      </mc:AlternateContent>
+      <mc:AlternateContent xmlns:mc="http://schemas.openxmlformats.org/markup-compatibility/2006">
+        <mc:Choice xmlns:a14="http://schemas.microsoft.com/office/drawing/2010/main" Requires="a14">
+          <p:sp>
+            <p:nvSpPr>
+              <p:cNvPr id="11" name="TextBox 10"/>
+              <p:cNvSpPr txBox="1"/>
+              <p:nvPr/>
+            </p:nvSpPr>
+            <p:spPr>
+              <a:xfrm>
+                <a:off x="2241866" y="3518260"/>
+                <a:ext cx="1295098" cy="369332"/>
+              </a:xfrm>
+              <a:prstGeom prst="rect">
+                <a:avLst/>
+              </a:prstGeom>
+              <a:noFill/>
+            </p:spPr>
+            <p:txBody>
+              <a:bodyPr wrap="none" rtlCol="0">
+                <a:spAutoFit/>
+              </a:bodyPr>
+              <a:lstStyle/>
+              <a:p>
+                <a14:m>
+                  <m:oMathPara xmlns:m="http://schemas.openxmlformats.org/officeDocument/2006/math">
+                    <m:oMathParaPr>
+                      <m:jc m:val="centerGroup"/>
+                    </m:oMathParaPr>
+                    <m:oMath xmlns:m="http://schemas.openxmlformats.org/officeDocument/2006/math">
+                      <m:r>
+                        <a:rPr lang="en-US" altLang="ko-KR" b="0" i="1" smtClean="0">
+                          <a:latin typeface="Cambria Math"/>
+                        </a:rPr>
+                        <m:t>𝑥</m:t>
+                      </m:r>
+                      <m:r>
+                        <a:rPr lang="en-US" altLang="ko-KR" b="0" i="1" smtClean="0">
+                          <a:latin typeface="Cambria Math"/>
+                        </a:rPr>
+                        <m:t>(</m:t>
+                      </m:r>
+                      <m:sSub>
+                        <m:sSubPr>
+                          <m:ctrlPr>
+                            <a:rPr lang="en-US" altLang="ko-KR" b="0" i="1" smtClean="0">
+                              <a:latin typeface="Cambria Math"/>
+                            </a:rPr>
+                          </m:ctrlPr>
+                        </m:sSubPr>
+                        <m:e>
+                          <m:r>
+                            <a:rPr lang="en-US" altLang="ko-KR" b="0" i="1" smtClean="0">
+                              <a:latin typeface="Cambria Math"/>
+                            </a:rPr>
+                            <m:t>𝑡</m:t>
+                          </m:r>
+                        </m:e>
+                        <m:sub>
+                          <m:r>
+                            <a:rPr lang="en-US" altLang="ko-KR" b="0" i="1" smtClean="0">
+                              <a:latin typeface="Cambria Math"/>
+                            </a:rPr>
+                            <m:t>0</m:t>
+                          </m:r>
+                        </m:sub>
+                      </m:sSub>
+                      <m:r>
+                        <a:rPr lang="en-US" altLang="ko-KR" b="0" i="1" smtClean="0">
+                          <a:latin typeface="Cambria Math"/>
+                        </a:rPr>
+                        <m:t>−</m:t>
+                      </m:r>
+                      <m:r>
+                        <m:rPr>
+                          <m:sty m:val="p"/>
+                        </m:rPr>
+                        <a:rPr lang="en-US" altLang="ko-KR" b="0" i="0" smtClean="0">
+                          <a:latin typeface="Cambria Math"/>
+                        </a:rPr>
+                        <m:t>Δ</m:t>
+                      </m:r>
+                      <m:r>
+                        <a:rPr lang="en-US" altLang="ko-KR" b="0" i="1" smtClean="0">
+                          <a:latin typeface="Cambria Math"/>
+                        </a:rPr>
+                        <m:t>𝑡</m:t>
+                      </m:r>
+                      <m:r>
+                        <a:rPr lang="en-US" altLang="ko-KR" b="0" i="1" smtClean="0">
+                          <a:latin typeface="Cambria Math"/>
+                        </a:rPr>
+                        <m:t>)</m:t>
+                      </m:r>
+                    </m:oMath>
+                  </m:oMathPara>
+                </a14:m>
+                <a:endParaRPr lang="ko-KR" altLang="en-US" dirty="0"/>
+              </a:p>
+            </p:txBody>
+          </p:sp>
+        </mc:Choice>
+        <mc:Fallback>
+          <p:sp>
+            <p:nvSpPr>
+              <p:cNvPr id="11" name="TextBox 10"/>
+              <p:cNvSpPr txBox="1">
+                <a:spLocks noRot="1" noChangeAspect="1" noMove="1" noResize="1" noEditPoints="1" noAdjustHandles="1" noChangeArrowheads="1" noChangeShapeType="1" noTextEdit="1"/>
+              </p:cNvSpPr>
+              <p:nvPr/>
+            </p:nvSpPr>
+            <p:spPr>
+              <a:xfrm>
+                <a:off x="2241866" y="3518260"/>
+                <a:ext cx="1295098" cy="369332"/>
+              </a:xfrm>
+              <a:prstGeom prst="rect">
+                <a:avLst/>
+              </a:prstGeom>
+              <a:blipFill rotWithShape="1">
+                <a:blip r:embed="rId8"/>
+                <a:stretch>
+                  <a:fillRect b="-14754"/>
+                </a:stretch>
+              </a:blipFill>
+            </p:spPr>
+            <p:txBody>
+              <a:bodyPr/>
+              <a:lstStyle/>
+              <a:p>
+                <a:r>
+                  <a:rPr lang="ko-KR" altLang="en-US">
+                    <a:noFill/>
+                  </a:rPr>
+                  <a:t> </a:t>
+                </a:r>
+              </a:p>
+            </p:txBody>
+          </p:sp>
+        </mc:Fallback>
+      </mc:AlternateContent>
+      <p:cxnSp>
+        <p:nvCxnSpPr>
+          <p:cNvPr id="12" name="직선 화살표 연결선 11"/>
+          <p:cNvCxnSpPr/>
+          <p:nvPr/>
+        </p:nvCxnSpPr>
+        <p:spPr>
+          <a:xfrm flipV="1">
+            <a:off x="3246332" y="3552764"/>
+            <a:ext cx="1141148" cy="414796"/>
+          </a:xfrm>
+          <a:prstGeom prst="straightConnector1">
+            <a:avLst/>
+          </a:prstGeom>
+          <a:ln w="38100">
+            <a:solidFill>
+              <a:schemeClr val="tx1"/>
+            </a:solidFill>
+            <a:tailEnd type="arrow"/>
+          </a:ln>
+        </p:spPr>
+        <p:style>
+          <a:lnRef idx="1">
+            <a:schemeClr val="accent1"/>
+          </a:lnRef>
+          <a:fillRef idx="0">
+            <a:schemeClr val="accent1"/>
+          </a:fillRef>
+          <a:effectRef idx="0">
+            <a:schemeClr val="accent1"/>
+          </a:effectRef>
+          <a:fontRef idx="minor">
+            <a:schemeClr val="tx1"/>
+          </a:fontRef>
+        </p:style>
+      </p:cxnSp>
+      <p:cxnSp>
+        <p:nvCxnSpPr>
+          <p:cNvPr id="15" name="직선 화살표 연결선 14"/>
+          <p:cNvCxnSpPr/>
+          <p:nvPr/>
+        </p:nvCxnSpPr>
+        <p:spPr>
+          <a:xfrm flipV="1">
+            <a:off x="4611065" y="2708920"/>
+            <a:ext cx="1617119" cy="765758"/>
+          </a:xfrm>
+          <a:prstGeom prst="straightConnector1">
+            <a:avLst/>
+          </a:prstGeom>
+          <a:ln w="38100">
+            <a:solidFill>
+              <a:srgbClr val="666666"/>
+            </a:solidFill>
+            <a:prstDash val="sysDot"/>
+            <a:tailEnd type="arrow"/>
+          </a:ln>
+        </p:spPr>
+        <p:style>
+          <a:lnRef idx="1">
+            <a:schemeClr val="accent1"/>
+          </a:lnRef>
+          <a:fillRef idx="0">
+            <a:schemeClr val="accent1"/>
+          </a:fillRef>
+          <a:effectRef idx="0">
+            <a:schemeClr val="accent1"/>
+          </a:effectRef>
+          <a:fontRef idx="minor">
+            <a:schemeClr val="tx1"/>
+          </a:fontRef>
+        </p:style>
+      </p:cxnSp>
+      <p:cxnSp>
+        <p:nvCxnSpPr>
+          <p:cNvPr id="17" name="직선 화살표 연결선 16"/>
+          <p:cNvCxnSpPr/>
+          <p:nvPr/>
+        </p:nvCxnSpPr>
+        <p:spPr>
+          <a:xfrm flipV="1">
+            <a:off x="4644008" y="3518260"/>
+            <a:ext cx="1584176" cy="6219"/>
+          </a:xfrm>
+          <a:prstGeom prst="straightConnector1">
+            <a:avLst/>
+          </a:prstGeom>
+          <a:ln w="38100">
+            <a:solidFill>
+              <a:srgbClr val="666666"/>
+            </a:solidFill>
+            <a:prstDash val="sysDot"/>
+            <a:tailEnd type="arrow"/>
+          </a:ln>
+        </p:spPr>
+        <p:style>
+          <a:lnRef idx="1">
+            <a:schemeClr val="accent1"/>
+          </a:lnRef>
+          <a:fillRef idx="0">
+            <a:schemeClr val="accent1"/>
+          </a:fillRef>
+          <a:effectRef idx="0">
+            <a:schemeClr val="accent1"/>
+          </a:effectRef>
+          <a:fontRef idx="minor">
+            <a:schemeClr val="tx1"/>
+          </a:fontRef>
+        </p:style>
+      </p:cxnSp>
+      <p:cxnSp>
+        <p:nvCxnSpPr>
+          <p:cNvPr id="19" name="직선 화살표 연결선 18"/>
+          <p:cNvCxnSpPr/>
+          <p:nvPr/>
+        </p:nvCxnSpPr>
+        <p:spPr>
+          <a:xfrm>
+            <a:off x="4644008" y="3651244"/>
+            <a:ext cx="1584176" cy="785868"/>
+          </a:xfrm>
+          <a:prstGeom prst="straightConnector1">
+            <a:avLst/>
+          </a:prstGeom>
+          <a:ln w="38100">
+            <a:solidFill>
+              <a:srgbClr val="666666"/>
+            </a:solidFill>
+            <a:prstDash val="sysDot"/>
+            <a:tailEnd type="arrow"/>
+          </a:ln>
+        </p:spPr>
+        <p:style>
+          <a:lnRef idx="1">
+            <a:schemeClr val="accent1"/>
+          </a:lnRef>
+          <a:fillRef idx="0">
+            <a:schemeClr val="accent1"/>
+          </a:fillRef>
+          <a:effectRef idx="0">
+            <a:schemeClr val="accent1"/>
+          </a:effectRef>
+          <a:fontRef idx="minor">
+            <a:schemeClr val="tx1"/>
+          </a:fontRef>
+        </p:style>
+      </p:cxnSp>
+      <mc:AlternateContent xmlns:mc="http://schemas.openxmlformats.org/markup-compatibility/2006">
+        <mc:Choice xmlns:a14="http://schemas.microsoft.com/office/drawing/2010/main" Requires="a14">
+          <p:sp>
+            <p:nvSpPr>
+              <p:cNvPr id="21" name="TextBox 20"/>
+              <p:cNvSpPr txBox="1"/>
+              <p:nvPr/>
+            </p:nvSpPr>
+            <p:spPr>
+              <a:xfrm>
+                <a:off x="5652396" y="2051556"/>
+                <a:ext cx="1295098" cy="369332"/>
+              </a:xfrm>
+              <a:prstGeom prst="rect">
+                <a:avLst/>
+              </a:prstGeom>
+              <a:noFill/>
+            </p:spPr>
+            <p:txBody>
+              <a:bodyPr wrap="none" rtlCol="0">
+                <a:spAutoFit/>
+              </a:bodyPr>
+              <a:lstStyle/>
+              <a:p>
+                <a14:m>
+                  <m:oMathPara xmlns:m="http://schemas.openxmlformats.org/officeDocument/2006/math">
+                    <m:oMathParaPr>
+                      <m:jc m:val="centerGroup"/>
+                    </m:oMathParaPr>
+                    <m:oMath xmlns:m="http://schemas.openxmlformats.org/officeDocument/2006/math">
+                      <m:r>
+                        <a:rPr lang="en-US" altLang="ko-KR" b="0" i="1" smtClean="0">
+                          <a:latin typeface="Cambria Math"/>
+                        </a:rPr>
+                        <m:t>𝑥</m:t>
+                      </m:r>
+                      <m:r>
+                        <a:rPr lang="en-US" altLang="ko-KR" b="0" i="1" smtClean="0">
+                          <a:latin typeface="Cambria Math"/>
+                        </a:rPr>
+                        <m:t>(</m:t>
+                      </m:r>
+                      <m:sSub>
+                        <m:sSubPr>
+                          <m:ctrlPr>
+                            <a:rPr lang="en-US" altLang="ko-KR" b="0" i="1" smtClean="0">
+                              <a:latin typeface="Cambria Math"/>
+                            </a:rPr>
+                          </m:ctrlPr>
+                        </m:sSubPr>
+                        <m:e>
+                          <m:r>
+                            <a:rPr lang="en-US" altLang="ko-KR" b="0" i="1" smtClean="0">
+                              <a:latin typeface="Cambria Math"/>
+                            </a:rPr>
+                            <m:t>𝑡</m:t>
+                          </m:r>
+                        </m:e>
+                        <m:sub>
+                          <m:r>
+                            <a:rPr lang="en-US" altLang="ko-KR" b="0" i="1" smtClean="0">
+                              <a:latin typeface="Cambria Math"/>
+                            </a:rPr>
+                            <m:t>0</m:t>
+                          </m:r>
+                        </m:sub>
+                      </m:sSub>
+                      <m:r>
+                        <a:rPr lang="en-US" altLang="ko-KR" b="0" i="1" smtClean="0">
+                          <a:latin typeface="Cambria Math"/>
+                        </a:rPr>
+                        <m:t>+</m:t>
+                      </m:r>
+                      <m:r>
+                        <m:rPr>
+                          <m:sty m:val="p"/>
+                        </m:rPr>
+                        <a:rPr lang="en-US" altLang="ko-KR" b="0" i="0" smtClean="0">
+                          <a:latin typeface="Cambria Math"/>
+                        </a:rPr>
+                        <m:t>Δ</m:t>
+                      </m:r>
+                      <m:r>
+                        <a:rPr lang="en-US" altLang="ko-KR" b="0" i="1" smtClean="0">
+                          <a:latin typeface="Cambria Math"/>
+                        </a:rPr>
+                        <m:t>𝑡</m:t>
+                      </m:r>
+                      <m:r>
+                        <a:rPr lang="en-US" altLang="ko-KR" b="0" i="1" smtClean="0">
+                          <a:latin typeface="Cambria Math"/>
+                        </a:rPr>
+                        <m:t>)</m:t>
+                      </m:r>
+                    </m:oMath>
+                  </m:oMathPara>
+                </a14:m>
+                <a:endParaRPr lang="ko-KR" altLang="en-US" dirty="0"/>
+              </a:p>
+            </p:txBody>
+          </p:sp>
+        </mc:Choice>
+        <mc:Fallback>
+          <p:sp>
+            <p:nvSpPr>
+              <p:cNvPr id="21" name="TextBox 20"/>
+              <p:cNvSpPr txBox="1">
+                <a:spLocks noRot="1" noChangeAspect="1" noMove="1" noResize="1" noEditPoints="1" noAdjustHandles="1" noChangeArrowheads="1" noChangeShapeType="1" noTextEdit="1"/>
+              </p:cNvSpPr>
+              <p:nvPr/>
+            </p:nvSpPr>
+            <p:spPr>
+              <a:xfrm>
+                <a:off x="5652396" y="2051556"/>
+                <a:ext cx="1295098" cy="369332"/>
+              </a:xfrm>
+              <a:prstGeom prst="rect">
+                <a:avLst/>
+              </a:prstGeom>
+              <a:blipFill rotWithShape="1">
+                <a:blip r:embed="rId9"/>
+                <a:stretch>
+                  <a:fillRect b="-16667"/>
+                </a:stretch>
+              </a:blipFill>
+            </p:spPr>
+            <p:txBody>
+              <a:bodyPr/>
+              <a:lstStyle/>
+              <a:p>
+                <a:r>
+                  <a:rPr lang="ko-KR" altLang="en-US">
+                    <a:noFill/>
+                  </a:rPr>
+                  <a:t> </a:t>
+                </a:r>
+              </a:p>
+            </p:txBody>
+          </p:sp>
+        </mc:Fallback>
+      </mc:AlternateContent>
+      <mc:AlternateContent xmlns:mc="http://schemas.openxmlformats.org/markup-compatibility/2006">
+        <mc:Choice xmlns:a14="http://schemas.microsoft.com/office/drawing/2010/main" Requires="a14">
+          <p:sp>
+            <p:nvSpPr>
+              <p:cNvPr id="22" name="TextBox 21"/>
+              <p:cNvSpPr txBox="1"/>
+              <p:nvPr/>
+            </p:nvSpPr>
+            <p:spPr>
+              <a:xfrm>
+                <a:off x="6444208" y="2420888"/>
+                <a:ext cx="1334981" cy="369332"/>
+              </a:xfrm>
+              <a:prstGeom prst="rect">
+                <a:avLst/>
+              </a:prstGeom>
+              <a:noFill/>
+            </p:spPr>
+            <p:txBody>
+              <a:bodyPr wrap="none" rtlCol="0">
+                <a:spAutoFit/>
+              </a:bodyPr>
+              <a:lstStyle/>
+              <a:p>
+                <a14:m>
+                  <m:oMathPara xmlns:m="http://schemas.openxmlformats.org/officeDocument/2006/math">
+                    <m:oMathParaPr>
+                      <m:jc m:val="centerGroup"/>
+                    </m:oMathParaPr>
+                    <m:oMath xmlns:m="http://schemas.openxmlformats.org/officeDocument/2006/math">
+                      <m:r>
+                        <a:rPr lang="en-US" altLang="ko-KR" b="0" i="1" smtClean="0">
+                          <a:solidFill>
+                            <a:srgbClr val="666666"/>
+                          </a:solidFill>
+                          <a:latin typeface="Cambria Math"/>
+                        </a:rPr>
+                        <m:t>𝑓</m:t>
+                      </m:r>
+                      <m:d>
+                        <m:dPr>
+                          <m:ctrlPr>
+                            <a:rPr lang="en-US" altLang="ko-KR" b="0" i="1" smtClean="0">
+                              <a:solidFill>
+                                <a:srgbClr val="666666"/>
+                              </a:solidFill>
+                              <a:latin typeface="Cambria Math"/>
+                            </a:rPr>
+                          </m:ctrlPr>
+                        </m:dPr>
+                        <m:e>
+                          <m:r>
+                            <a:rPr lang="en-US" altLang="ko-KR" b="0" i="1" smtClean="0">
+                              <a:solidFill>
+                                <a:srgbClr val="666666"/>
+                              </a:solidFill>
+                              <a:latin typeface="Cambria Math"/>
+                            </a:rPr>
+                            <m:t>𝑡</m:t>
+                          </m:r>
+                          <m:r>
+                            <a:rPr lang="en-US" altLang="ko-KR" b="0" i="1" smtClean="0">
+                              <a:solidFill>
+                                <a:srgbClr val="666666"/>
+                              </a:solidFill>
+                              <a:latin typeface="Cambria Math"/>
+                            </a:rPr>
+                            <m:t>,</m:t>
+                          </m:r>
+                          <m:r>
+                            <a:rPr lang="en-US" altLang="ko-KR" b="0" i="1" smtClean="0">
+                              <a:solidFill>
+                                <a:srgbClr val="666666"/>
+                              </a:solidFill>
+                              <a:latin typeface="Cambria Math"/>
+                            </a:rPr>
+                            <m:t>𝑥</m:t>
+                          </m:r>
+                        </m:e>
+                      </m:d>
+                      <m:r>
+                        <a:rPr lang="en-US" altLang="ko-KR" b="0" i="1" smtClean="0">
+                          <a:solidFill>
+                            <a:srgbClr val="666666"/>
+                          </a:solidFill>
+                          <a:latin typeface="Cambria Math"/>
+                        </a:rPr>
+                        <m:t>&gt;0</m:t>
+                      </m:r>
+                    </m:oMath>
+                  </m:oMathPara>
+                </a14:m>
+                <a:endParaRPr lang="ko-KR" altLang="en-US" dirty="0">
+                  <a:solidFill>
+                    <a:srgbClr val="666666"/>
+                  </a:solidFill>
+                </a:endParaRPr>
+              </a:p>
+            </p:txBody>
+          </p:sp>
+        </mc:Choice>
+        <mc:Fallback>
+          <p:sp>
+            <p:nvSpPr>
+              <p:cNvPr id="22" name="TextBox 21"/>
+              <p:cNvSpPr txBox="1">
+                <a:spLocks noRot="1" noChangeAspect="1" noMove="1" noResize="1" noEditPoints="1" noAdjustHandles="1" noChangeArrowheads="1" noChangeShapeType="1" noTextEdit="1"/>
+              </p:cNvSpPr>
+              <p:nvPr/>
+            </p:nvSpPr>
+            <p:spPr>
+              <a:xfrm>
+                <a:off x="6444208" y="2420888"/>
+                <a:ext cx="1334981" cy="369332"/>
+              </a:xfrm>
+              <a:prstGeom prst="rect">
+                <a:avLst/>
+              </a:prstGeom>
+              <a:blipFill rotWithShape="1">
+                <a:blip r:embed="rId10"/>
+                <a:stretch>
+                  <a:fillRect b="-14754"/>
+                </a:stretch>
+              </a:blipFill>
+            </p:spPr>
+            <p:txBody>
+              <a:bodyPr/>
+              <a:lstStyle/>
+              <a:p>
+                <a:r>
+                  <a:rPr lang="ko-KR" altLang="en-US">
+                    <a:noFill/>
+                  </a:rPr>
+                  <a:t> </a:t>
+                </a:r>
+              </a:p>
+            </p:txBody>
+          </p:sp>
+        </mc:Fallback>
+      </mc:AlternateContent>
+      <mc:AlternateContent xmlns:mc="http://schemas.openxmlformats.org/markup-compatibility/2006">
+        <mc:Choice xmlns:a14="http://schemas.microsoft.com/office/drawing/2010/main" Requires="a14">
+          <p:sp>
+            <p:nvSpPr>
+              <p:cNvPr id="23" name="TextBox 22"/>
+              <p:cNvSpPr txBox="1"/>
+              <p:nvPr/>
+            </p:nvSpPr>
+            <p:spPr>
+              <a:xfrm>
+                <a:off x="6444208" y="3333594"/>
+                <a:ext cx="1334981" cy="369332"/>
+              </a:xfrm>
+              <a:prstGeom prst="rect">
+                <a:avLst/>
+              </a:prstGeom>
+              <a:noFill/>
+            </p:spPr>
+            <p:txBody>
+              <a:bodyPr wrap="none" rtlCol="0">
+                <a:spAutoFit/>
+              </a:bodyPr>
+              <a:lstStyle/>
+              <a:p>
+                <a14:m>
+                  <m:oMathPara xmlns:m="http://schemas.openxmlformats.org/officeDocument/2006/math">
+                    <m:oMathParaPr>
+                      <m:jc m:val="centerGroup"/>
+                    </m:oMathParaPr>
+                    <m:oMath xmlns:m="http://schemas.openxmlformats.org/officeDocument/2006/math">
+                      <m:r>
+                        <a:rPr lang="en-US" altLang="ko-KR" b="0" i="1" smtClean="0">
+                          <a:solidFill>
+                            <a:srgbClr val="666666"/>
+                          </a:solidFill>
+                          <a:latin typeface="Cambria Math"/>
+                        </a:rPr>
+                        <m:t>𝑓</m:t>
+                      </m:r>
+                      <m:d>
+                        <m:dPr>
+                          <m:ctrlPr>
+                            <a:rPr lang="en-US" altLang="ko-KR" b="0" i="1" smtClean="0">
+                              <a:solidFill>
+                                <a:srgbClr val="666666"/>
+                              </a:solidFill>
+                              <a:latin typeface="Cambria Math"/>
+                            </a:rPr>
+                          </m:ctrlPr>
+                        </m:dPr>
+                        <m:e>
+                          <m:r>
+                            <a:rPr lang="en-US" altLang="ko-KR" b="0" i="1" smtClean="0">
+                              <a:solidFill>
+                                <a:srgbClr val="666666"/>
+                              </a:solidFill>
+                              <a:latin typeface="Cambria Math"/>
+                            </a:rPr>
+                            <m:t>𝑡</m:t>
+                          </m:r>
+                          <m:r>
+                            <a:rPr lang="en-US" altLang="ko-KR" b="0" i="1" smtClean="0">
+                              <a:solidFill>
+                                <a:srgbClr val="666666"/>
+                              </a:solidFill>
+                              <a:latin typeface="Cambria Math"/>
+                            </a:rPr>
+                            <m:t>,</m:t>
+                          </m:r>
+                          <m:r>
+                            <a:rPr lang="en-US" altLang="ko-KR" b="0" i="1" smtClean="0">
+                              <a:solidFill>
+                                <a:srgbClr val="666666"/>
+                              </a:solidFill>
+                              <a:latin typeface="Cambria Math"/>
+                            </a:rPr>
+                            <m:t>𝑥</m:t>
+                          </m:r>
+                        </m:e>
+                      </m:d>
+                      <m:r>
+                        <a:rPr lang="en-US" altLang="ko-KR" b="0" i="1" smtClean="0">
+                          <a:solidFill>
+                            <a:srgbClr val="666666"/>
+                          </a:solidFill>
+                          <a:latin typeface="Cambria Math"/>
+                        </a:rPr>
+                        <m:t>=0</m:t>
+                      </m:r>
+                    </m:oMath>
+                  </m:oMathPara>
+                </a14:m>
+                <a:endParaRPr lang="ko-KR" altLang="en-US" dirty="0">
+                  <a:solidFill>
+                    <a:srgbClr val="666666"/>
+                  </a:solidFill>
+                </a:endParaRPr>
+              </a:p>
+            </p:txBody>
+          </p:sp>
+        </mc:Choice>
+        <mc:Fallback>
+          <p:sp>
+            <p:nvSpPr>
+              <p:cNvPr id="23" name="TextBox 22"/>
+              <p:cNvSpPr txBox="1">
+                <a:spLocks noRot="1" noChangeAspect="1" noMove="1" noResize="1" noEditPoints="1" noAdjustHandles="1" noChangeArrowheads="1" noChangeShapeType="1" noTextEdit="1"/>
+              </p:cNvSpPr>
+              <p:nvPr/>
+            </p:nvSpPr>
+            <p:spPr>
+              <a:xfrm>
+                <a:off x="6444208" y="3333594"/>
+                <a:ext cx="1334981" cy="369332"/>
+              </a:xfrm>
+              <a:prstGeom prst="rect">
+                <a:avLst/>
+              </a:prstGeom>
+              <a:blipFill rotWithShape="1">
+                <a:blip r:embed="rId11"/>
+                <a:stretch>
+                  <a:fillRect b="-16667"/>
+                </a:stretch>
+              </a:blipFill>
+            </p:spPr>
+            <p:txBody>
+              <a:bodyPr/>
+              <a:lstStyle/>
+              <a:p>
+                <a:r>
+                  <a:rPr lang="ko-KR" altLang="en-US">
+                    <a:noFill/>
+                  </a:rPr>
+                  <a:t> </a:t>
+                </a:r>
+              </a:p>
+            </p:txBody>
+          </p:sp>
+        </mc:Fallback>
+      </mc:AlternateContent>
+      <mc:AlternateContent xmlns:mc="http://schemas.openxmlformats.org/markup-compatibility/2006">
+        <mc:Choice xmlns:a14="http://schemas.microsoft.com/office/drawing/2010/main" Requires="a14">
+          <p:sp>
+            <p:nvSpPr>
+              <p:cNvPr id="24" name="TextBox 23"/>
+              <p:cNvSpPr txBox="1"/>
+              <p:nvPr/>
+            </p:nvSpPr>
+            <p:spPr>
+              <a:xfrm>
+                <a:off x="6444208" y="4252446"/>
+                <a:ext cx="1334981" cy="369332"/>
+              </a:xfrm>
+              <a:prstGeom prst="rect">
+                <a:avLst/>
+              </a:prstGeom>
+              <a:noFill/>
+            </p:spPr>
+            <p:txBody>
+              <a:bodyPr wrap="none" rtlCol="0">
+                <a:spAutoFit/>
+              </a:bodyPr>
+              <a:lstStyle/>
+              <a:p>
+                <a14:m>
+                  <m:oMathPara xmlns:m="http://schemas.openxmlformats.org/officeDocument/2006/math">
+                    <m:oMathParaPr>
+                      <m:jc m:val="centerGroup"/>
+                    </m:oMathParaPr>
+                    <m:oMath xmlns:m="http://schemas.openxmlformats.org/officeDocument/2006/math">
+                      <m:r>
+                        <a:rPr lang="en-US" altLang="ko-KR" b="0" i="1" smtClean="0">
+                          <a:solidFill>
+                            <a:srgbClr val="666666"/>
+                          </a:solidFill>
+                          <a:latin typeface="Cambria Math"/>
+                        </a:rPr>
+                        <m:t>𝑓</m:t>
+                      </m:r>
+                      <m:d>
+                        <m:dPr>
+                          <m:ctrlPr>
+                            <a:rPr lang="en-US" altLang="ko-KR" b="0" i="1" smtClean="0">
+                              <a:solidFill>
+                                <a:srgbClr val="666666"/>
+                              </a:solidFill>
+                              <a:latin typeface="Cambria Math"/>
+                            </a:rPr>
+                          </m:ctrlPr>
+                        </m:dPr>
+                        <m:e>
+                          <m:r>
+                            <a:rPr lang="en-US" altLang="ko-KR" b="0" i="1" smtClean="0">
+                              <a:solidFill>
+                                <a:srgbClr val="666666"/>
+                              </a:solidFill>
+                              <a:latin typeface="Cambria Math"/>
+                            </a:rPr>
+                            <m:t>𝑡</m:t>
+                          </m:r>
+                          <m:r>
+                            <a:rPr lang="en-US" altLang="ko-KR" b="0" i="1" smtClean="0">
+                              <a:solidFill>
+                                <a:srgbClr val="666666"/>
+                              </a:solidFill>
+                              <a:latin typeface="Cambria Math"/>
+                            </a:rPr>
+                            <m:t>,</m:t>
+                          </m:r>
+                          <m:r>
+                            <a:rPr lang="en-US" altLang="ko-KR" b="0" i="1" smtClean="0">
+                              <a:solidFill>
+                                <a:srgbClr val="666666"/>
+                              </a:solidFill>
+                              <a:latin typeface="Cambria Math"/>
+                            </a:rPr>
+                            <m:t>𝑥</m:t>
+                          </m:r>
+                        </m:e>
+                      </m:d>
+                      <m:r>
+                        <a:rPr lang="en-US" altLang="ko-KR" b="0" i="1" smtClean="0">
+                          <a:solidFill>
+                            <a:srgbClr val="666666"/>
+                          </a:solidFill>
+                          <a:latin typeface="Cambria Math"/>
+                        </a:rPr>
+                        <m:t>&lt;0</m:t>
+                      </m:r>
+                    </m:oMath>
+                  </m:oMathPara>
+                </a14:m>
+                <a:endParaRPr lang="ko-KR" altLang="en-US" dirty="0">
+                  <a:solidFill>
+                    <a:srgbClr val="666666"/>
+                  </a:solidFill>
+                </a:endParaRPr>
+              </a:p>
+            </p:txBody>
+          </p:sp>
+        </mc:Choice>
+        <mc:Fallback>
+          <p:sp>
+            <p:nvSpPr>
+              <p:cNvPr id="24" name="TextBox 23"/>
+              <p:cNvSpPr txBox="1">
+                <a:spLocks noRot="1" noChangeAspect="1" noMove="1" noResize="1" noEditPoints="1" noAdjustHandles="1" noChangeArrowheads="1" noChangeShapeType="1" noTextEdit="1"/>
+              </p:cNvSpPr>
+              <p:nvPr/>
+            </p:nvSpPr>
+            <p:spPr>
+              <a:xfrm>
+                <a:off x="6444208" y="4252446"/>
+                <a:ext cx="1334981" cy="369332"/>
+              </a:xfrm>
+              <a:prstGeom prst="rect">
+                <a:avLst/>
+              </a:prstGeom>
+              <a:blipFill rotWithShape="1">
+                <a:blip r:embed="rId12"/>
+                <a:stretch>
+                  <a:fillRect b="-16667"/>
+                </a:stretch>
+              </a:blipFill>
+            </p:spPr>
+            <p:txBody>
+              <a:bodyPr/>
+              <a:lstStyle/>
+              <a:p>
+                <a:r>
+                  <a:rPr lang="ko-KR" altLang="en-US">
+                    <a:noFill/>
+                  </a:rPr>
+                  <a:t> </a:t>
+                </a:r>
+              </a:p>
+            </p:txBody>
+          </p:sp>
+        </mc:Fallback>
+      </mc:AlternateContent>
+    </p:spTree>
+    <p:extLst>
+      <p:ext uri="{BB962C8B-B14F-4D97-AF65-F5344CB8AC3E}">
+        <p14:creationId xmlns:p14="http://schemas.microsoft.com/office/powerpoint/2010/main" val="507850433"/>
       </p:ext>
     </p:extLst>
   </p:cSld>

--- a/pics/2021-05-05-ODE_and_natural_number_e/pics.pptx
+++ b/pics/2021-05-05-ODE_and_natural_number_e/pics.pptx
@@ -6,7 +6,8 @@
   </p:sldMasterIdLst>
   <p:sldIdLst>
     <p:sldId id="256" r:id="rId2"/>
-    <p:sldId id="257" r:id="rId3"/>
+    <p:sldId id="258" r:id="rId3"/>
+    <p:sldId id="257" r:id="rId4"/>
   </p:sldIdLst>
   <p:sldSz cx="9144000" cy="6858000" type="screen4x3"/>
   <p:notesSz cx="6858000" cy="9144000"/>
@@ -105,6 +106,22 @@
       </a:defRPr>
     </a:lvl9pPr>
   </p:defaultTextStyle>
+  <p:extLst>
+    <p:ext uri="{EFAFB233-063F-42B5-8137-9DF3F51BA10A}">
+      <p15:sldGuideLst xmlns:p15="http://schemas.microsoft.com/office/powerpoint/2012/main">
+        <p15:guide id="1" orient="horz" pos="2160">
+          <p15:clr>
+            <a:srgbClr val="A4A3A4"/>
+          </p15:clr>
+        </p15:guide>
+        <p15:guide id="2" pos="2880">
+          <p15:clr>
+            <a:srgbClr val="A4A3A4"/>
+          </p15:clr>
+        </p15:guide>
+      </p15:sldGuideLst>
+    </p:ext>
+  </p:extLst>
 </p:presentation>
 </file>
 
@@ -146,10 +163,9 @@
           <a:lstStyle/>
           <a:p>
             <a:r>
-              <a:rPr lang="ko-KR" altLang="en-US" smtClean="0"/>
+              <a:rPr lang="ko-KR" altLang="en-US"/>
               <a:t>마스터 제목 스타일 편집</a:t>
             </a:r>
-            <a:endParaRPr lang="ko-KR" altLang="en-US"/>
           </a:p>
         </p:txBody>
       </p:sp>
@@ -265,10 +281,9 @@
           </a:lstStyle>
           <a:p>
             <a:r>
-              <a:rPr lang="ko-KR" altLang="en-US" smtClean="0"/>
+              <a:rPr lang="ko-KR" altLang="en-US"/>
               <a:t>마스터 부제목 스타일 편집</a:t>
             </a:r>
-            <a:endParaRPr lang="ko-KR" altLang="en-US"/>
           </a:p>
         </p:txBody>
       </p:sp>
@@ -289,7 +304,7 @@
           <a:p>
             <a:fld id="{FB30EDBD-1C2D-4C1E-B459-B60219FAB484}" type="datetimeFigureOut">
               <a:rPr lang="ko-KR" altLang="en-US" smtClean="0"/>
-              <a:t>2021-05-24</a:t>
+              <a:t>2023-05-08</a:t>
             </a:fld>
             <a:endParaRPr lang="ko-KR" altLang="en-US"/>
           </a:p>
@@ -378,10 +393,9 @@
           <a:lstStyle/>
           <a:p>
             <a:r>
-              <a:rPr lang="ko-KR" altLang="en-US" smtClean="0"/>
+              <a:rPr lang="ko-KR" altLang="en-US"/>
               <a:t>마스터 제목 스타일 편집</a:t>
             </a:r>
-            <a:endParaRPr lang="ko-KR" altLang="en-US"/>
           </a:p>
         </p:txBody>
       </p:sp>
@@ -402,38 +416,37 @@
           <a:p>
             <a:pPr lvl="0"/>
             <a:r>
-              <a:rPr lang="ko-KR" altLang="en-US" smtClean="0"/>
+              <a:rPr lang="ko-KR" altLang="en-US"/>
               <a:t>마스터 텍스트 스타일을 편집합니다</a:t>
             </a:r>
           </a:p>
           <a:p>
             <a:pPr lvl="1"/>
             <a:r>
-              <a:rPr lang="ko-KR" altLang="en-US" smtClean="0"/>
+              <a:rPr lang="ko-KR" altLang="en-US"/>
               <a:t>둘째 수준</a:t>
             </a:r>
           </a:p>
           <a:p>
             <a:pPr lvl="2"/>
             <a:r>
-              <a:rPr lang="ko-KR" altLang="en-US" smtClean="0"/>
+              <a:rPr lang="ko-KR" altLang="en-US"/>
               <a:t>셋째 수준</a:t>
             </a:r>
           </a:p>
           <a:p>
             <a:pPr lvl="3"/>
             <a:r>
-              <a:rPr lang="ko-KR" altLang="en-US" smtClean="0"/>
+              <a:rPr lang="ko-KR" altLang="en-US"/>
               <a:t>넷째 수준</a:t>
             </a:r>
           </a:p>
           <a:p>
             <a:pPr lvl="4"/>
             <a:r>
-              <a:rPr lang="ko-KR" altLang="en-US" smtClean="0"/>
+              <a:rPr lang="ko-KR" altLang="en-US"/>
               <a:t>다섯째 수준</a:t>
             </a:r>
-            <a:endParaRPr lang="ko-KR" altLang="en-US"/>
           </a:p>
         </p:txBody>
       </p:sp>
@@ -454,7 +467,7 @@
           <a:p>
             <a:fld id="{FB30EDBD-1C2D-4C1E-B459-B60219FAB484}" type="datetimeFigureOut">
               <a:rPr lang="ko-KR" altLang="en-US" smtClean="0"/>
-              <a:t>2021-05-24</a:t>
+              <a:t>2023-05-08</a:t>
             </a:fld>
             <a:endParaRPr lang="ko-KR" altLang="en-US"/>
           </a:p>
@@ -548,10 +561,9 @@
           <a:lstStyle/>
           <a:p>
             <a:r>
-              <a:rPr lang="ko-KR" altLang="en-US" smtClean="0"/>
+              <a:rPr lang="ko-KR" altLang="en-US"/>
               <a:t>마스터 제목 스타일 편집</a:t>
             </a:r>
-            <a:endParaRPr lang="ko-KR" altLang="en-US"/>
           </a:p>
         </p:txBody>
       </p:sp>
@@ -577,38 +589,37 @@
           <a:p>
             <a:pPr lvl="0"/>
             <a:r>
-              <a:rPr lang="ko-KR" altLang="en-US" smtClean="0"/>
+              <a:rPr lang="ko-KR" altLang="en-US"/>
               <a:t>마스터 텍스트 스타일을 편집합니다</a:t>
             </a:r>
           </a:p>
           <a:p>
             <a:pPr lvl="1"/>
             <a:r>
-              <a:rPr lang="ko-KR" altLang="en-US" smtClean="0"/>
+              <a:rPr lang="ko-KR" altLang="en-US"/>
               <a:t>둘째 수준</a:t>
             </a:r>
           </a:p>
           <a:p>
             <a:pPr lvl="2"/>
             <a:r>
-              <a:rPr lang="ko-KR" altLang="en-US" smtClean="0"/>
+              <a:rPr lang="ko-KR" altLang="en-US"/>
               <a:t>셋째 수준</a:t>
             </a:r>
           </a:p>
           <a:p>
             <a:pPr lvl="3"/>
             <a:r>
-              <a:rPr lang="ko-KR" altLang="en-US" smtClean="0"/>
+              <a:rPr lang="ko-KR" altLang="en-US"/>
               <a:t>넷째 수준</a:t>
             </a:r>
           </a:p>
           <a:p>
             <a:pPr lvl="4"/>
             <a:r>
-              <a:rPr lang="ko-KR" altLang="en-US" smtClean="0"/>
+              <a:rPr lang="ko-KR" altLang="en-US"/>
               <a:t>다섯째 수준</a:t>
             </a:r>
-            <a:endParaRPr lang="ko-KR" altLang="en-US"/>
           </a:p>
         </p:txBody>
       </p:sp>
@@ -629,7 +640,7 @@
           <a:p>
             <a:fld id="{FB30EDBD-1C2D-4C1E-B459-B60219FAB484}" type="datetimeFigureOut">
               <a:rPr lang="ko-KR" altLang="en-US" smtClean="0"/>
-              <a:t>2021-05-24</a:t>
+              <a:t>2023-05-08</a:t>
             </a:fld>
             <a:endParaRPr lang="ko-KR" altLang="en-US"/>
           </a:p>
@@ -718,10 +729,9 @@
           <a:lstStyle/>
           <a:p>
             <a:r>
-              <a:rPr lang="ko-KR" altLang="en-US" smtClean="0"/>
+              <a:rPr lang="ko-KR" altLang="en-US"/>
               <a:t>마스터 제목 스타일 편집</a:t>
             </a:r>
-            <a:endParaRPr lang="ko-KR" altLang="en-US"/>
           </a:p>
         </p:txBody>
       </p:sp>
@@ -742,38 +752,37 @@
           <a:p>
             <a:pPr lvl="0"/>
             <a:r>
-              <a:rPr lang="ko-KR" altLang="en-US" smtClean="0"/>
+              <a:rPr lang="ko-KR" altLang="en-US"/>
               <a:t>마스터 텍스트 스타일을 편집합니다</a:t>
             </a:r>
           </a:p>
           <a:p>
             <a:pPr lvl="1"/>
             <a:r>
-              <a:rPr lang="ko-KR" altLang="en-US" smtClean="0"/>
+              <a:rPr lang="ko-KR" altLang="en-US"/>
               <a:t>둘째 수준</a:t>
             </a:r>
           </a:p>
           <a:p>
             <a:pPr lvl="2"/>
             <a:r>
-              <a:rPr lang="ko-KR" altLang="en-US" smtClean="0"/>
+              <a:rPr lang="ko-KR" altLang="en-US"/>
               <a:t>셋째 수준</a:t>
             </a:r>
           </a:p>
           <a:p>
             <a:pPr lvl="3"/>
             <a:r>
-              <a:rPr lang="ko-KR" altLang="en-US" smtClean="0"/>
+              <a:rPr lang="ko-KR" altLang="en-US"/>
               <a:t>넷째 수준</a:t>
             </a:r>
           </a:p>
           <a:p>
             <a:pPr lvl="4"/>
             <a:r>
-              <a:rPr lang="ko-KR" altLang="en-US" smtClean="0"/>
+              <a:rPr lang="ko-KR" altLang="en-US"/>
               <a:t>다섯째 수준</a:t>
             </a:r>
-            <a:endParaRPr lang="ko-KR" altLang="en-US"/>
           </a:p>
         </p:txBody>
       </p:sp>
@@ -794,7 +803,7 @@
           <a:p>
             <a:fld id="{FB30EDBD-1C2D-4C1E-B459-B60219FAB484}" type="datetimeFigureOut">
               <a:rPr lang="ko-KR" altLang="en-US" smtClean="0"/>
-              <a:t>2021-05-24</a:t>
+              <a:t>2023-05-08</a:t>
             </a:fld>
             <a:endParaRPr lang="ko-KR" altLang="en-US"/>
           </a:p>
@@ -892,10 +901,9 @@
           </a:lstStyle>
           <a:p>
             <a:r>
-              <a:rPr lang="ko-KR" altLang="en-US" smtClean="0"/>
+              <a:rPr lang="ko-KR" altLang="en-US"/>
               <a:t>마스터 제목 스타일 편집</a:t>
             </a:r>
-            <a:endParaRPr lang="ko-KR" altLang="en-US"/>
           </a:p>
         </p:txBody>
       </p:sp>
@@ -1012,7 +1020,7 @@
           <a:p>
             <a:pPr lvl="0"/>
             <a:r>
-              <a:rPr lang="ko-KR" altLang="en-US" smtClean="0"/>
+              <a:rPr lang="ko-KR" altLang="en-US"/>
               <a:t>마스터 텍스트 스타일을 편집합니다</a:t>
             </a:r>
           </a:p>
@@ -1035,7 +1043,7 @@
           <a:p>
             <a:fld id="{FB30EDBD-1C2D-4C1E-B459-B60219FAB484}" type="datetimeFigureOut">
               <a:rPr lang="ko-KR" altLang="en-US" smtClean="0"/>
-              <a:t>2021-05-24</a:t>
+              <a:t>2023-05-08</a:t>
             </a:fld>
             <a:endParaRPr lang="ko-KR" altLang="en-US"/>
           </a:p>
@@ -1124,10 +1132,9 @@
           <a:lstStyle/>
           <a:p>
             <a:r>
-              <a:rPr lang="ko-KR" altLang="en-US" smtClean="0"/>
+              <a:rPr lang="ko-KR" altLang="en-US"/>
               <a:t>마스터 제목 스타일 편집</a:t>
             </a:r>
-            <a:endParaRPr lang="ko-KR" altLang="en-US"/>
           </a:p>
         </p:txBody>
       </p:sp>
@@ -1181,38 +1188,37 @@
           <a:p>
             <a:pPr lvl="0"/>
             <a:r>
-              <a:rPr lang="ko-KR" altLang="en-US" smtClean="0"/>
+              <a:rPr lang="ko-KR" altLang="en-US"/>
               <a:t>마스터 텍스트 스타일을 편집합니다</a:t>
             </a:r>
           </a:p>
           <a:p>
             <a:pPr lvl="1"/>
             <a:r>
-              <a:rPr lang="ko-KR" altLang="en-US" smtClean="0"/>
+              <a:rPr lang="ko-KR" altLang="en-US"/>
               <a:t>둘째 수준</a:t>
             </a:r>
           </a:p>
           <a:p>
             <a:pPr lvl="2"/>
             <a:r>
-              <a:rPr lang="ko-KR" altLang="en-US" smtClean="0"/>
+              <a:rPr lang="ko-KR" altLang="en-US"/>
               <a:t>셋째 수준</a:t>
             </a:r>
           </a:p>
           <a:p>
             <a:pPr lvl="3"/>
             <a:r>
-              <a:rPr lang="ko-KR" altLang="en-US" smtClean="0"/>
+              <a:rPr lang="ko-KR" altLang="en-US"/>
               <a:t>넷째 수준</a:t>
             </a:r>
           </a:p>
           <a:p>
             <a:pPr lvl="4"/>
             <a:r>
-              <a:rPr lang="ko-KR" altLang="en-US" smtClean="0"/>
+              <a:rPr lang="ko-KR" altLang="en-US"/>
               <a:t>다섯째 수준</a:t>
             </a:r>
-            <a:endParaRPr lang="ko-KR" altLang="en-US"/>
           </a:p>
         </p:txBody>
       </p:sp>
@@ -1266,38 +1272,37 @@
           <a:p>
             <a:pPr lvl="0"/>
             <a:r>
-              <a:rPr lang="ko-KR" altLang="en-US" smtClean="0"/>
+              <a:rPr lang="ko-KR" altLang="en-US"/>
               <a:t>마스터 텍스트 스타일을 편집합니다</a:t>
             </a:r>
           </a:p>
           <a:p>
             <a:pPr lvl="1"/>
             <a:r>
-              <a:rPr lang="ko-KR" altLang="en-US" smtClean="0"/>
+              <a:rPr lang="ko-KR" altLang="en-US"/>
               <a:t>둘째 수준</a:t>
             </a:r>
           </a:p>
           <a:p>
             <a:pPr lvl="2"/>
             <a:r>
-              <a:rPr lang="ko-KR" altLang="en-US" smtClean="0"/>
+              <a:rPr lang="ko-KR" altLang="en-US"/>
               <a:t>셋째 수준</a:t>
             </a:r>
           </a:p>
           <a:p>
             <a:pPr lvl="3"/>
             <a:r>
-              <a:rPr lang="ko-KR" altLang="en-US" smtClean="0"/>
+              <a:rPr lang="ko-KR" altLang="en-US"/>
               <a:t>넷째 수준</a:t>
             </a:r>
           </a:p>
           <a:p>
             <a:pPr lvl="4"/>
             <a:r>
-              <a:rPr lang="ko-KR" altLang="en-US" smtClean="0"/>
+              <a:rPr lang="ko-KR" altLang="en-US"/>
               <a:t>다섯째 수준</a:t>
             </a:r>
-            <a:endParaRPr lang="ko-KR" altLang="en-US"/>
           </a:p>
         </p:txBody>
       </p:sp>
@@ -1318,7 +1323,7 @@
           <a:p>
             <a:fld id="{FB30EDBD-1C2D-4C1E-B459-B60219FAB484}" type="datetimeFigureOut">
               <a:rPr lang="ko-KR" altLang="en-US" smtClean="0"/>
-              <a:t>2021-05-24</a:t>
+              <a:t>2023-05-08</a:t>
             </a:fld>
             <a:endParaRPr lang="ko-KR" altLang="en-US"/>
           </a:p>
@@ -1411,10 +1416,9 @@
           </a:lstStyle>
           <a:p>
             <a:r>
-              <a:rPr lang="ko-KR" altLang="en-US" smtClean="0"/>
+              <a:rPr lang="ko-KR" altLang="en-US"/>
               <a:t>마스터 제목 스타일 편집</a:t>
             </a:r>
-            <a:endParaRPr lang="ko-KR" altLang="en-US"/>
           </a:p>
         </p:txBody>
       </p:sp>
@@ -1477,7 +1481,7 @@
           <a:p>
             <a:pPr lvl="0"/>
             <a:r>
-              <a:rPr lang="ko-KR" altLang="en-US" smtClean="0"/>
+              <a:rPr lang="ko-KR" altLang="en-US"/>
               <a:t>마스터 텍스트 스타일을 편집합니다</a:t>
             </a:r>
           </a:p>
@@ -1533,38 +1537,37 @@
           <a:p>
             <a:pPr lvl="0"/>
             <a:r>
-              <a:rPr lang="ko-KR" altLang="en-US" smtClean="0"/>
+              <a:rPr lang="ko-KR" altLang="en-US"/>
               <a:t>마스터 텍스트 스타일을 편집합니다</a:t>
             </a:r>
           </a:p>
           <a:p>
             <a:pPr lvl="1"/>
             <a:r>
-              <a:rPr lang="ko-KR" altLang="en-US" smtClean="0"/>
+              <a:rPr lang="ko-KR" altLang="en-US"/>
               <a:t>둘째 수준</a:t>
             </a:r>
           </a:p>
           <a:p>
             <a:pPr lvl="2"/>
             <a:r>
-              <a:rPr lang="ko-KR" altLang="en-US" smtClean="0"/>
+              <a:rPr lang="ko-KR" altLang="en-US"/>
               <a:t>셋째 수준</a:t>
             </a:r>
           </a:p>
           <a:p>
             <a:pPr lvl="3"/>
             <a:r>
-              <a:rPr lang="ko-KR" altLang="en-US" smtClean="0"/>
+              <a:rPr lang="ko-KR" altLang="en-US"/>
               <a:t>넷째 수준</a:t>
             </a:r>
           </a:p>
           <a:p>
             <a:pPr lvl="4"/>
             <a:r>
-              <a:rPr lang="ko-KR" altLang="en-US" smtClean="0"/>
+              <a:rPr lang="ko-KR" altLang="en-US"/>
               <a:t>다섯째 수준</a:t>
             </a:r>
-            <a:endParaRPr lang="ko-KR" altLang="en-US"/>
           </a:p>
         </p:txBody>
       </p:sp>
@@ -1627,7 +1630,7 @@
           <a:p>
             <a:pPr lvl="0"/>
             <a:r>
-              <a:rPr lang="ko-KR" altLang="en-US" smtClean="0"/>
+              <a:rPr lang="ko-KR" altLang="en-US"/>
               <a:t>마스터 텍스트 스타일을 편집합니다</a:t>
             </a:r>
           </a:p>
@@ -1683,38 +1686,37 @@
           <a:p>
             <a:pPr lvl="0"/>
             <a:r>
-              <a:rPr lang="ko-KR" altLang="en-US" smtClean="0"/>
+              <a:rPr lang="ko-KR" altLang="en-US"/>
               <a:t>마스터 텍스트 스타일을 편집합니다</a:t>
             </a:r>
           </a:p>
           <a:p>
             <a:pPr lvl="1"/>
             <a:r>
-              <a:rPr lang="ko-KR" altLang="en-US" smtClean="0"/>
+              <a:rPr lang="ko-KR" altLang="en-US"/>
               <a:t>둘째 수준</a:t>
             </a:r>
           </a:p>
           <a:p>
             <a:pPr lvl="2"/>
             <a:r>
-              <a:rPr lang="ko-KR" altLang="en-US" smtClean="0"/>
+              <a:rPr lang="ko-KR" altLang="en-US"/>
               <a:t>셋째 수준</a:t>
             </a:r>
           </a:p>
           <a:p>
             <a:pPr lvl="3"/>
             <a:r>
-              <a:rPr lang="ko-KR" altLang="en-US" smtClean="0"/>
+              <a:rPr lang="ko-KR" altLang="en-US"/>
               <a:t>넷째 수준</a:t>
             </a:r>
           </a:p>
           <a:p>
             <a:pPr lvl="4"/>
             <a:r>
-              <a:rPr lang="ko-KR" altLang="en-US" smtClean="0"/>
+              <a:rPr lang="ko-KR" altLang="en-US"/>
               <a:t>다섯째 수준</a:t>
             </a:r>
-            <a:endParaRPr lang="ko-KR" altLang="en-US"/>
           </a:p>
         </p:txBody>
       </p:sp>
@@ -1735,7 +1737,7 @@
           <a:p>
             <a:fld id="{FB30EDBD-1C2D-4C1E-B459-B60219FAB484}" type="datetimeFigureOut">
               <a:rPr lang="ko-KR" altLang="en-US" smtClean="0"/>
-              <a:t>2021-05-24</a:t>
+              <a:t>2023-05-08</a:t>
             </a:fld>
             <a:endParaRPr lang="ko-KR" altLang="en-US"/>
           </a:p>
@@ -1824,10 +1826,9 @@
           <a:lstStyle/>
           <a:p>
             <a:r>
-              <a:rPr lang="ko-KR" altLang="en-US" smtClean="0"/>
+              <a:rPr lang="ko-KR" altLang="en-US"/>
               <a:t>마스터 제목 스타일 편집</a:t>
             </a:r>
-            <a:endParaRPr lang="ko-KR" altLang="en-US"/>
           </a:p>
         </p:txBody>
       </p:sp>
@@ -1848,7 +1849,7 @@
           <a:p>
             <a:fld id="{FB30EDBD-1C2D-4C1E-B459-B60219FAB484}" type="datetimeFigureOut">
               <a:rPr lang="ko-KR" altLang="en-US" smtClean="0"/>
-              <a:t>2021-05-24</a:t>
+              <a:t>2023-05-08</a:t>
             </a:fld>
             <a:endParaRPr lang="ko-KR" altLang="en-US"/>
           </a:p>
@@ -1938,7 +1939,7 @@
           <a:p>
             <a:fld id="{FB30EDBD-1C2D-4C1E-B459-B60219FAB484}" type="datetimeFigureOut">
               <a:rPr lang="ko-KR" altLang="en-US" smtClean="0"/>
-              <a:t>2021-05-24</a:t>
+              <a:t>2023-05-08</a:t>
             </a:fld>
             <a:endParaRPr lang="ko-KR" altLang="en-US"/>
           </a:p>
@@ -2036,10 +2037,9 @@
           </a:lstStyle>
           <a:p>
             <a:r>
-              <a:rPr lang="ko-KR" altLang="en-US" smtClean="0"/>
+              <a:rPr lang="ko-KR" altLang="en-US"/>
               <a:t>마스터 제목 스타일 편집</a:t>
             </a:r>
-            <a:endParaRPr lang="ko-KR" altLang="en-US"/>
           </a:p>
         </p:txBody>
       </p:sp>
@@ -2093,38 +2093,37 @@
           <a:p>
             <a:pPr lvl="0"/>
             <a:r>
-              <a:rPr lang="ko-KR" altLang="en-US" smtClean="0"/>
+              <a:rPr lang="ko-KR" altLang="en-US"/>
               <a:t>마스터 텍스트 스타일을 편집합니다</a:t>
             </a:r>
           </a:p>
           <a:p>
             <a:pPr lvl="1"/>
             <a:r>
-              <a:rPr lang="ko-KR" altLang="en-US" smtClean="0"/>
+              <a:rPr lang="ko-KR" altLang="en-US"/>
               <a:t>둘째 수준</a:t>
             </a:r>
           </a:p>
           <a:p>
             <a:pPr lvl="2"/>
             <a:r>
-              <a:rPr lang="ko-KR" altLang="en-US" smtClean="0"/>
+              <a:rPr lang="ko-KR" altLang="en-US"/>
               <a:t>셋째 수준</a:t>
             </a:r>
           </a:p>
           <a:p>
             <a:pPr lvl="3"/>
             <a:r>
-              <a:rPr lang="ko-KR" altLang="en-US" smtClean="0"/>
+              <a:rPr lang="ko-KR" altLang="en-US"/>
               <a:t>넷째 수준</a:t>
             </a:r>
           </a:p>
           <a:p>
             <a:pPr lvl="4"/>
             <a:r>
-              <a:rPr lang="ko-KR" altLang="en-US" smtClean="0"/>
+              <a:rPr lang="ko-KR" altLang="en-US"/>
               <a:t>다섯째 수준</a:t>
             </a:r>
-            <a:endParaRPr lang="ko-KR" altLang="en-US"/>
           </a:p>
         </p:txBody>
       </p:sp>
@@ -2187,7 +2186,7 @@
           <a:p>
             <a:pPr lvl="0"/>
             <a:r>
-              <a:rPr lang="ko-KR" altLang="en-US" smtClean="0"/>
+              <a:rPr lang="ko-KR" altLang="en-US"/>
               <a:t>마스터 텍스트 스타일을 편집합니다</a:t>
             </a:r>
           </a:p>
@@ -2210,7 +2209,7 @@
           <a:p>
             <a:fld id="{FB30EDBD-1C2D-4C1E-B459-B60219FAB484}" type="datetimeFigureOut">
               <a:rPr lang="ko-KR" altLang="en-US" smtClean="0"/>
-              <a:t>2021-05-24</a:t>
+              <a:t>2023-05-08</a:t>
             </a:fld>
             <a:endParaRPr lang="ko-KR" altLang="en-US"/>
           </a:p>
@@ -2308,10 +2307,9 @@
           </a:lstStyle>
           <a:p>
             <a:r>
-              <a:rPr lang="ko-KR" altLang="en-US" smtClean="0"/>
+              <a:rPr lang="ko-KR" altLang="en-US"/>
               <a:t>마스터 제목 스타일 편집</a:t>
             </a:r>
-            <a:endParaRPr lang="ko-KR" altLang="en-US"/>
           </a:p>
         </p:txBody>
       </p:sp>
@@ -2435,7 +2433,7 @@
           <a:p>
             <a:pPr lvl="0"/>
             <a:r>
-              <a:rPr lang="ko-KR" altLang="en-US" smtClean="0"/>
+              <a:rPr lang="ko-KR" altLang="en-US"/>
               <a:t>마스터 텍스트 스타일을 편집합니다</a:t>
             </a:r>
           </a:p>
@@ -2458,7 +2456,7 @@
           <a:p>
             <a:fld id="{FB30EDBD-1C2D-4C1E-B459-B60219FAB484}" type="datetimeFigureOut">
               <a:rPr lang="ko-KR" altLang="en-US" smtClean="0"/>
-              <a:t>2021-05-24</a:t>
+              <a:t>2023-05-08</a:t>
             </a:fld>
             <a:endParaRPr lang="ko-KR" altLang="en-US"/>
           </a:p>
@@ -2562,10 +2560,9 @@
           <a:lstStyle/>
           <a:p>
             <a:r>
-              <a:rPr lang="ko-KR" altLang="en-US" smtClean="0"/>
+              <a:rPr lang="ko-KR" altLang="en-US"/>
               <a:t>마스터 제목 스타일 편집</a:t>
             </a:r>
-            <a:endParaRPr lang="ko-KR" altLang="en-US"/>
           </a:p>
         </p:txBody>
       </p:sp>
@@ -2596,38 +2593,37 @@
           <a:p>
             <a:pPr lvl="0"/>
             <a:r>
-              <a:rPr lang="ko-KR" altLang="en-US" smtClean="0"/>
+              <a:rPr lang="ko-KR" altLang="en-US"/>
               <a:t>마스터 텍스트 스타일을 편집합니다</a:t>
             </a:r>
           </a:p>
           <a:p>
             <a:pPr lvl="1"/>
             <a:r>
-              <a:rPr lang="ko-KR" altLang="en-US" smtClean="0"/>
+              <a:rPr lang="ko-KR" altLang="en-US"/>
               <a:t>둘째 수준</a:t>
             </a:r>
           </a:p>
           <a:p>
             <a:pPr lvl="2"/>
             <a:r>
-              <a:rPr lang="ko-KR" altLang="en-US" smtClean="0"/>
+              <a:rPr lang="ko-KR" altLang="en-US"/>
               <a:t>셋째 수준</a:t>
             </a:r>
           </a:p>
           <a:p>
             <a:pPr lvl="3"/>
             <a:r>
-              <a:rPr lang="ko-KR" altLang="en-US" smtClean="0"/>
+              <a:rPr lang="ko-KR" altLang="en-US"/>
               <a:t>넷째 수준</a:t>
             </a:r>
           </a:p>
           <a:p>
             <a:pPr lvl="4"/>
             <a:r>
-              <a:rPr lang="ko-KR" altLang="en-US" smtClean="0"/>
+              <a:rPr lang="ko-KR" altLang="en-US"/>
               <a:t>다섯째 수준</a:t>
             </a:r>
-            <a:endParaRPr lang="ko-KR" altLang="en-US"/>
           </a:p>
         </p:txBody>
       </p:sp>
@@ -2666,7 +2662,7 @@
           <a:p>
             <a:fld id="{FB30EDBD-1C2D-4C1E-B459-B60219FAB484}" type="datetimeFigureOut">
               <a:rPr lang="ko-KR" altLang="en-US" smtClean="0"/>
-              <a:t>2021-05-24</a:t>
+              <a:t>2023-05-08</a:t>
             </a:fld>
             <a:endParaRPr lang="ko-KR" altLang="en-US"/>
           </a:p>
@@ -3071,7 +3067,7 @@
                         <m:fPr>
                           <m:ctrlPr>
                             <a:rPr lang="en-US" altLang="ko-KR" sz="3200" b="0" i="1" smtClean="0">
-                              <a:latin typeface="Cambria Math"/>
+                              <a:latin typeface="Cambria Math" panose="02040503050406030204" pitchFamily="18" charset="0"/>
                             </a:rPr>
                           </m:ctrlPr>
                         </m:fPr>
@@ -3222,7 +3218,7 @@
                         <m:fPr>
                           <m:ctrlPr>
                             <a:rPr lang="en-US" altLang="ko-KR" sz="3200" b="0" i="1" smtClean="0">
-                              <a:latin typeface="Cambria Math"/>
+                              <a:latin typeface="Cambria Math" panose="02040503050406030204" pitchFamily="18" charset="0"/>
                             </a:rPr>
                           </m:ctrlPr>
                         </m:fPr>
@@ -3237,7 +3233,7 @@
                             <m:dPr>
                               <m:ctrlPr>
                                 <a:rPr lang="en-US" altLang="ko-KR" sz="3200" b="0" i="1" smtClean="0">
-                                  <a:latin typeface="Cambria Math"/>
+                                  <a:latin typeface="Cambria Math" panose="02040503050406030204" pitchFamily="18" charset="0"/>
                                 </a:rPr>
                               </m:ctrlPr>
                             </m:dPr>
@@ -3287,7 +3283,7 @@
                             <m:dPr>
                               <m:ctrlPr>
                                 <a:rPr lang="en-US" altLang="ko-KR" sz="3200" b="0" i="1" smtClean="0">
-                                  <a:latin typeface="Cambria Math"/>
+                                  <a:latin typeface="Cambria Math" panose="02040503050406030204" pitchFamily="18" charset="0"/>
                                 </a:rPr>
                               </m:ctrlPr>
                             </m:dPr>
@@ -3335,7 +3331,7 @@
                         <m:dPr>
                           <m:ctrlPr>
                             <a:rPr lang="en-US" altLang="ko-KR" sz="3200" b="0" i="1" smtClean="0">
-                              <a:latin typeface="Cambria Math"/>
+                              <a:latin typeface="Cambria Math" panose="02040503050406030204" pitchFamily="18" charset="0"/>
                             </a:rPr>
                           </m:ctrlPr>
                         </m:dPr>
@@ -3363,7 +3359,7 @@
                     </m:oMath>
                   </m:oMathPara>
                 </a14:m>
-                <a:endParaRPr lang="en-US" altLang="ko-KR" sz="3200" b="0" dirty="0" smtClean="0"/>
+                <a:endParaRPr lang="en-US" altLang="ko-KR" sz="3200" b="0" dirty="0"/>
               </a:p>
             </p:txBody>
           </p:sp>
@@ -3455,7 +3451,7 @@
                         <m:dPr>
                           <m:ctrlPr>
                             <a:rPr lang="en-US" altLang="ko-KR" sz="3200" b="0" i="1" smtClean="0">
-                              <a:latin typeface="Cambria Math"/>
+                              <a:latin typeface="Cambria Math" panose="02040503050406030204" pitchFamily="18" charset="0"/>
                             </a:rPr>
                           </m:ctrlPr>
                         </m:dPr>
@@ -3505,7 +3501,7 @@
                         <m:dPr>
                           <m:ctrlPr>
                             <a:rPr lang="en-US" altLang="ko-KR" sz="3200" b="0" i="1" smtClean="0">
-                              <a:latin typeface="Cambria Math"/>
+                              <a:latin typeface="Cambria Math" panose="02040503050406030204" pitchFamily="18" charset="0"/>
                             </a:rPr>
                           </m:ctrlPr>
                         </m:dPr>
@@ -3572,7 +3568,7 @@
                     </m:oMath>
                   </m:oMathPara>
                 </a14:m>
-                <a:endParaRPr lang="en-US" altLang="ko-KR" sz="3200" b="0" dirty="0" smtClean="0"/>
+                <a:endParaRPr lang="en-US" altLang="ko-KR" sz="3200" b="0" dirty="0"/>
               </a:p>
             </p:txBody>
           </p:sp>
@@ -3744,7 +3740,7 @@
           <a:lstStyle/>
           <a:p>
             <a:r>
-              <a:rPr lang="ko-KR" altLang="en-US" b="1" dirty="0" smtClean="0">
+              <a:rPr lang="ko-KR" altLang="en-US" b="1" dirty="0">
                 <a:solidFill>
                   <a:schemeClr val="accent6"/>
                 </a:solidFill>
@@ -3754,7 +3750,7 @@
               <a:t>다음 번 </a:t>
             </a:r>
             <a:r>
-              <a:rPr lang="en-US" altLang="ko-KR" b="1" dirty="0" smtClean="0">
+              <a:rPr lang="en-US" altLang="ko-KR" b="1" dirty="0">
                 <a:solidFill>
                   <a:schemeClr val="accent6"/>
                 </a:solidFill>
@@ -3764,7 +3760,7 @@
               <a:t>step</a:t>
             </a:r>
             <a:r>
-              <a:rPr lang="ko-KR" altLang="en-US" b="1" dirty="0" smtClean="0">
+              <a:rPr lang="ko-KR" altLang="en-US" b="1" dirty="0">
                 <a:solidFill>
                   <a:schemeClr val="accent6"/>
                 </a:solidFill>
@@ -3773,13 +3769,6 @@
               </a:rPr>
               <a:t>의 값</a:t>
             </a:r>
-            <a:endParaRPr lang="ko-KR" altLang="en-US" b="1" dirty="0">
-              <a:solidFill>
-                <a:schemeClr val="accent6"/>
-              </a:solidFill>
-              <a:latin typeface="KoPub돋움체 Bold" pitchFamily="18" charset="-127"/>
-              <a:ea typeface="KoPub돋움체 Bold" pitchFamily="18" charset="-127"/>
-            </a:endParaRPr>
           </a:p>
         </p:txBody>
       </p:sp>
@@ -3806,7 +3795,7 @@
           <a:lstStyle/>
           <a:p>
             <a:r>
-              <a:rPr lang="ko-KR" altLang="en-US" b="1" dirty="0" smtClean="0">
+              <a:rPr lang="ko-KR" altLang="en-US" b="1" dirty="0">
                 <a:solidFill>
                   <a:schemeClr val="accent1"/>
                 </a:solidFill>
@@ -3815,13 +3804,6 @@
               </a:rPr>
               <a:t>현재 값</a:t>
             </a:r>
-            <a:endParaRPr lang="ko-KR" altLang="en-US" b="1" dirty="0">
-              <a:solidFill>
-                <a:schemeClr val="accent1"/>
-              </a:solidFill>
-              <a:latin typeface="KoPub돋움체 Bold" pitchFamily="18" charset="-127"/>
-              <a:ea typeface="KoPub돋움체 Bold" pitchFamily="18" charset="-127"/>
-            </a:endParaRPr>
           </a:p>
         </p:txBody>
       </p:sp>
@@ -3848,7 +3830,7 @@
           <a:lstStyle/>
           <a:p>
             <a:r>
-              <a:rPr lang="ko-KR" altLang="en-US" b="1" dirty="0" smtClean="0">
+              <a:rPr lang="ko-KR" altLang="en-US" b="1" dirty="0">
                 <a:solidFill>
                   <a:schemeClr val="accent3"/>
                 </a:solidFill>
@@ -3857,13 +3839,6 @@
               </a:rPr>
               <a:t>성장량</a:t>
             </a:r>
-            <a:endParaRPr lang="ko-KR" altLang="en-US" b="1" dirty="0">
-              <a:solidFill>
-                <a:schemeClr val="accent3"/>
-              </a:solidFill>
-              <a:latin typeface="KoPub돋움체 Bold" pitchFamily="18" charset="-127"/>
-              <a:ea typeface="KoPub돋움체 Bold" pitchFamily="18" charset="-127"/>
-            </a:endParaRPr>
           </a:p>
         </p:txBody>
       </p:sp>
@@ -3891,7 +3866,7 @@
           <a:p>
             <a:pPr algn="ctr"/>
             <a:r>
-              <a:rPr lang="ko-KR" altLang="en-US" sz="2400" dirty="0" smtClean="0">
+              <a:rPr lang="ko-KR" altLang="en-US" sz="2400" dirty="0">
                 <a:solidFill>
                   <a:schemeClr val="accent5"/>
                 </a:solidFill>
@@ -3900,13 +3875,6 @@
               </a:rPr>
               <a:t>☆★☆미분방정식은 시간에 따른 성장에 대한 서술☆★☆</a:t>
             </a:r>
-            <a:endParaRPr lang="ko-KR" altLang="en-US" sz="2400" dirty="0">
-              <a:solidFill>
-                <a:schemeClr val="accent5"/>
-              </a:solidFill>
-              <a:latin typeface="KoPub돋움체 Bold" pitchFamily="18" charset="-127"/>
-              <a:ea typeface="KoPub돋움체 Bold" pitchFamily="18" charset="-127"/>
-            </a:endParaRPr>
           </a:p>
         </p:txBody>
       </p:sp>
@@ -3924,6 +3892,945 @@
 </file>
 
 <file path=ppt/slides/slide2.xml><?xml version="1.0" encoding="utf-8"?>
+<p:sld xmlns:a="http://schemas.openxmlformats.org/drawingml/2006/main" xmlns:r="http://schemas.openxmlformats.org/officeDocument/2006/relationships" xmlns:p="http://schemas.openxmlformats.org/presentationml/2006/main">
+  <p:cSld>
+    <p:spTree>
+      <p:nvGrpSpPr>
+        <p:cNvPr id="1" name=""/>
+        <p:cNvGrpSpPr/>
+        <p:nvPr/>
+      </p:nvGrpSpPr>
+      <p:grpSpPr>
+        <a:xfrm>
+          <a:off x="0" y="0"/>
+          <a:ext cx="0" cy="0"/>
+          <a:chOff x="0" y="0"/>
+          <a:chExt cx="0" cy="0"/>
+        </a:xfrm>
+      </p:grpSpPr>
+      <mc:AlternateContent xmlns:mc="http://schemas.openxmlformats.org/markup-compatibility/2006" xmlns:a14="http://schemas.microsoft.com/office/drawing/2010/main">
+        <mc:Choice Requires="a14">
+          <p:sp>
+            <p:nvSpPr>
+              <p:cNvPr id="4" name="TextBox 3"/>
+              <p:cNvSpPr txBox="1"/>
+              <p:nvPr/>
+            </p:nvSpPr>
+            <p:spPr>
+              <a:xfrm>
+                <a:off x="1234002" y="1237045"/>
+                <a:ext cx="2464457" cy="1027333"/>
+              </a:xfrm>
+              <a:prstGeom prst="rect">
+                <a:avLst/>
+              </a:prstGeom>
+              <a:noFill/>
+            </p:spPr>
+            <p:txBody>
+              <a:bodyPr wrap="none" rtlCol="0">
+                <a:spAutoFit/>
+              </a:bodyPr>
+              <a:lstStyle/>
+              <a:p>
+                <a:pPr/>
+                <a14:m>
+                  <m:oMathPara xmlns:m="http://schemas.openxmlformats.org/officeDocument/2006/math">
+                    <m:oMathParaPr>
+                      <m:jc m:val="centerGroup"/>
+                    </m:oMathParaPr>
+                    <m:oMath xmlns:m="http://schemas.openxmlformats.org/officeDocument/2006/math">
+                      <m:f>
+                        <m:fPr>
+                          <m:ctrlPr>
+                            <a:rPr lang="en-US" altLang="ko-KR" sz="3200" b="0" i="1" smtClean="0">
+                              <a:latin typeface="Cambria Math" panose="02040503050406030204" pitchFamily="18" charset="0"/>
+                            </a:rPr>
+                          </m:ctrlPr>
+                        </m:fPr>
+                        <m:num>
+                          <m:r>
+                            <a:rPr lang="en-US" altLang="ko-KR" sz="3200" b="0" i="1" smtClean="0">
+                              <a:latin typeface="Cambria Math"/>
+                            </a:rPr>
+                            <m:t>𝑑𝑥</m:t>
+                          </m:r>
+                        </m:num>
+                        <m:den>
+                          <m:r>
+                            <a:rPr lang="en-US" altLang="ko-KR" sz="3200" b="0" i="1" smtClean="0">
+                              <a:latin typeface="Cambria Math"/>
+                            </a:rPr>
+                            <m:t>𝑑𝑡</m:t>
+                          </m:r>
+                        </m:den>
+                      </m:f>
+                      <m:r>
+                        <a:rPr lang="en-US" altLang="ko-KR" sz="3200" b="0" i="1" smtClean="0">
+                          <a:latin typeface="Cambria Math"/>
+                        </a:rPr>
+                        <m:t>=</m:t>
+                      </m:r>
+                      <m:r>
+                        <a:rPr lang="en-US" altLang="ko-KR" sz="3200" b="0" i="1" smtClean="0">
+                          <a:latin typeface="Cambria Math"/>
+                        </a:rPr>
+                        <m:t>𝑓</m:t>
+                      </m:r>
+                      <m:r>
+                        <a:rPr lang="en-US" altLang="ko-KR" sz="3200" b="0" i="1" smtClean="0">
+                          <a:latin typeface="Cambria Math"/>
+                        </a:rPr>
+                        <m:t>(</m:t>
+                      </m:r>
+                      <m:r>
+                        <a:rPr lang="en-US" altLang="ko-KR" sz="3200" b="0" i="1" smtClean="0">
+                          <a:latin typeface="Cambria Math"/>
+                        </a:rPr>
+                        <m:t>𝑡</m:t>
+                      </m:r>
+                      <m:r>
+                        <a:rPr lang="en-US" altLang="ko-KR" sz="3200" b="0" i="1" smtClean="0">
+                          <a:latin typeface="Cambria Math"/>
+                        </a:rPr>
+                        <m:t>, </m:t>
+                      </m:r>
+                      <m:r>
+                        <a:rPr lang="en-US" altLang="ko-KR" sz="3200" b="0" i="1" smtClean="0">
+                          <a:latin typeface="Cambria Math"/>
+                        </a:rPr>
+                        <m:t>𝑥</m:t>
+                      </m:r>
+                      <m:r>
+                        <a:rPr lang="en-US" altLang="ko-KR" sz="3200" b="0" i="1" smtClean="0">
+                          <a:latin typeface="Cambria Math"/>
+                        </a:rPr>
+                        <m:t>)</m:t>
+                      </m:r>
+                    </m:oMath>
+                  </m:oMathPara>
+                </a14:m>
+                <a:endParaRPr lang="ko-KR" altLang="en-US" sz="3200" dirty="0"/>
+              </a:p>
+            </p:txBody>
+          </p:sp>
+        </mc:Choice>
+        <mc:Fallback xmlns="">
+          <p:sp>
+            <p:nvSpPr>
+              <p:cNvPr id="4" name="TextBox 3"/>
+              <p:cNvSpPr txBox="1">
+                <a:spLocks noRot="1" noChangeAspect="1" noMove="1" noResize="1" noEditPoints="1" noAdjustHandles="1" noChangeArrowheads="1" noChangeShapeType="1" noTextEdit="1"/>
+              </p:cNvSpPr>
+              <p:nvPr/>
+            </p:nvSpPr>
+            <p:spPr>
+              <a:xfrm>
+                <a:off x="1234002" y="1237045"/>
+                <a:ext cx="2464457" cy="1027333"/>
+              </a:xfrm>
+              <a:prstGeom prst="rect">
+                <a:avLst/>
+              </a:prstGeom>
+              <a:blipFill rotWithShape="1">
+                <a:blip r:embed="rId2"/>
+                <a:stretch>
+                  <a:fillRect/>
+                </a:stretch>
+              </a:blipFill>
+            </p:spPr>
+            <p:txBody>
+              <a:bodyPr/>
+              <a:lstStyle/>
+              <a:p>
+                <a:r>
+                  <a:rPr lang="ko-KR" altLang="en-US">
+                    <a:noFill/>
+                  </a:rPr>
+                  <a:t> </a:t>
+                </a:r>
+              </a:p>
+            </p:txBody>
+          </p:sp>
+        </mc:Fallback>
+      </mc:AlternateContent>
+      <mc:AlternateContent xmlns:mc="http://schemas.openxmlformats.org/markup-compatibility/2006" xmlns:a14="http://schemas.microsoft.com/office/drawing/2010/main">
+        <mc:Choice Requires="a14">
+          <p:sp>
+            <p:nvSpPr>
+              <p:cNvPr id="5" name="TextBox 4"/>
+              <p:cNvSpPr txBox="1"/>
+              <p:nvPr/>
+            </p:nvSpPr>
+            <p:spPr>
+              <a:xfrm>
+                <a:off x="1522034" y="2594842"/>
+                <a:ext cx="5293052" cy="1048044"/>
+              </a:xfrm>
+              <a:prstGeom prst="rect">
+                <a:avLst/>
+              </a:prstGeom>
+              <a:noFill/>
+            </p:spPr>
+            <p:txBody>
+              <a:bodyPr wrap="none" rtlCol="0">
+                <a:spAutoFit/>
+              </a:bodyPr>
+              <a:lstStyle/>
+              <a:p>
+                <a:pPr/>
+                <a14:m>
+                  <m:oMathPara xmlns:m="http://schemas.openxmlformats.org/officeDocument/2006/math">
+                    <m:oMathParaPr>
+                      <m:jc m:val="centerGroup"/>
+                    </m:oMathParaPr>
+                    <m:oMath xmlns:m="http://schemas.openxmlformats.org/officeDocument/2006/math">
+                      <m:r>
+                        <a:rPr lang="ko-KR" altLang="en-US" sz="3200" i="1" smtClean="0">
+                          <a:latin typeface="Cambria Math"/>
+                        </a:rPr>
+                        <m:t>≈</m:t>
+                      </m:r>
+                      <m:f>
+                        <m:fPr>
+                          <m:ctrlPr>
+                            <a:rPr lang="en-US" altLang="ko-KR" sz="3200" b="0" i="1" smtClean="0">
+                              <a:latin typeface="Cambria Math" panose="02040503050406030204" pitchFamily="18" charset="0"/>
+                            </a:rPr>
+                          </m:ctrlPr>
+                        </m:fPr>
+                        <m:num>
+                          <m:r>
+                            <a:rPr lang="en-US" altLang="ko-KR" sz="3200" b="0" i="1" smtClean="0">
+                              <a:latin typeface="Cambria Math"/>
+                            </a:rPr>
+                            <m:t>𝑥</m:t>
+                          </m:r>
+                          <m:d>
+                            <m:dPr>
+                              <m:ctrlPr>
+                                <a:rPr lang="en-US" altLang="ko-KR" sz="3200" b="0" i="1" smtClean="0">
+                                  <a:latin typeface="Cambria Math" panose="02040503050406030204" pitchFamily="18" charset="0"/>
+                                </a:rPr>
+                              </m:ctrlPr>
+                            </m:dPr>
+                            <m:e>
+                              <m:r>
+                                <a:rPr lang="en-US" altLang="ko-KR" sz="3200" b="0" i="1" smtClean="0">
+                                  <a:latin typeface="Cambria Math"/>
+                                </a:rPr>
+                                <m:t>𝑡</m:t>
+                              </m:r>
+                              <m:r>
+                                <a:rPr lang="en-US" altLang="ko-KR" sz="3200" b="0" i="1" smtClean="0">
+                                  <a:latin typeface="Cambria Math"/>
+                                </a:rPr>
+                                <m:t>+</m:t>
+                              </m:r>
+                              <m:r>
+                                <m:rPr>
+                                  <m:sty m:val="p"/>
+                                </m:rPr>
+                                <a:rPr lang="en-US" altLang="ko-KR" sz="3200" b="0" i="0" smtClean="0">
+                                  <a:latin typeface="Cambria Math"/>
+                                </a:rPr>
+                                <m:t>Δ</m:t>
+                              </m:r>
+                              <m:r>
+                                <a:rPr lang="en-US" altLang="ko-KR" sz="3200" b="0" i="1" smtClean="0">
+                                  <a:latin typeface="Cambria Math"/>
+                                </a:rPr>
+                                <m:t>𝑡</m:t>
+                              </m:r>
+                            </m:e>
+                          </m:d>
+                          <m:r>
+                            <a:rPr lang="en-US" altLang="ko-KR" sz="3200" b="0" i="1" smtClean="0">
+                              <a:latin typeface="Cambria Math"/>
+                            </a:rPr>
+                            <m:t>−</m:t>
+                          </m:r>
+                          <m:r>
+                            <a:rPr lang="en-US" altLang="ko-KR" sz="3200" b="0" i="1" smtClean="0">
+                              <a:latin typeface="Cambria Math"/>
+                            </a:rPr>
+                            <m:t>𝑥</m:t>
+                          </m:r>
+                          <m:d>
+                            <m:dPr>
+                              <m:ctrlPr>
+                                <a:rPr lang="en-US" altLang="ko-KR" sz="3200" b="0" i="1" smtClean="0">
+                                  <a:latin typeface="Cambria Math" panose="02040503050406030204" pitchFamily="18" charset="0"/>
+                                </a:rPr>
+                              </m:ctrlPr>
+                            </m:dPr>
+                            <m:e>
+                              <m:r>
+                                <a:rPr lang="en-US" altLang="ko-KR" sz="3200" b="0" i="1" smtClean="0">
+                                  <a:latin typeface="Cambria Math"/>
+                                </a:rPr>
+                                <m:t>𝑡</m:t>
+                              </m:r>
+                            </m:e>
+                          </m:d>
+                        </m:num>
+                        <m:den>
+                          <m:r>
+                            <m:rPr>
+                              <m:sty m:val="p"/>
+                            </m:rPr>
+                            <a:rPr lang="en-US" altLang="ko-KR" sz="3200" b="0" i="0" smtClean="0">
+                              <a:latin typeface="Cambria Math"/>
+                            </a:rPr>
+                            <m:t>Δ</m:t>
+                          </m:r>
+                          <m:r>
+                            <a:rPr lang="en-US" altLang="ko-KR" sz="3200" b="0" i="1" smtClean="0">
+                              <a:latin typeface="Cambria Math"/>
+                            </a:rPr>
+                            <m:t>𝑡</m:t>
+                          </m:r>
+                        </m:den>
+                      </m:f>
+                      <m:r>
+                        <a:rPr lang="en-US" altLang="ko-KR" sz="3200" b="0" i="1" smtClean="0">
+                          <a:latin typeface="Cambria Math"/>
+                        </a:rPr>
+                        <m:t>=</m:t>
+                      </m:r>
+                      <m:r>
+                        <a:rPr lang="en-US" altLang="ko-KR" sz="3200" b="0" i="1" smtClean="0">
+                          <a:latin typeface="Cambria Math"/>
+                        </a:rPr>
+                        <m:t>𝑓</m:t>
+                      </m:r>
+                      <m:d>
+                        <m:dPr>
+                          <m:ctrlPr>
+                            <a:rPr lang="en-US" altLang="ko-KR" sz="3200" b="0" i="1" smtClean="0">
+                              <a:latin typeface="Cambria Math" panose="02040503050406030204" pitchFamily="18" charset="0"/>
+                            </a:rPr>
+                          </m:ctrlPr>
+                        </m:dPr>
+                        <m:e>
+                          <m:r>
+                            <a:rPr lang="en-US" altLang="ko-KR" sz="3200" b="0" i="1" smtClean="0">
+                              <a:latin typeface="Cambria Math"/>
+                            </a:rPr>
+                            <m:t>𝑡</m:t>
+                          </m:r>
+                          <m:r>
+                            <a:rPr lang="en-US" altLang="ko-KR" sz="3200" b="0" i="1" smtClean="0">
+                              <a:latin typeface="Cambria Math"/>
+                            </a:rPr>
+                            <m:t>, </m:t>
+                          </m:r>
+                          <m:r>
+                            <a:rPr lang="en-US" altLang="ko-KR" sz="3200" b="0" i="1" smtClean="0">
+                              <a:latin typeface="Cambria Math"/>
+                            </a:rPr>
+                            <m:t>𝑥</m:t>
+                          </m:r>
+                        </m:e>
+                      </m:d>
+                    </m:oMath>
+                  </m:oMathPara>
+                </a14:m>
+                <a:endParaRPr lang="en-US" altLang="ko-KR" sz="3200" b="0" dirty="0"/>
+              </a:p>
+            </p:txBody>
+          </p:sp>
+        </mc:Choice>
+        <mc:Fallback xmlns="">
+          <p:sp>
+            <p:nvSpPr>
+              <p:cNvPr id="5" name="TextBox 4"/>
+              <p:cNvSpPr txBox="1">
+                <a:spLocks noRot="1" noChangeAspect="1" noMove="1" noResize="1" noEditPoints="1" noAdjustHandles="1" noChangeArrowheads="1" noChangeShapeType="1" noTextEdit="1"/>
+              </p:cNvSpPr>
+              <p:nvPr/>
+            </p:nvSpPr>
+            <p:spPr>
+              <a:xfrm>
+                <a:off x="1522034" y="2594842"/>
+                <a:ext cx="5293052" cy="1048044"/>
+              </a:xfrm>
+              <a:prstGeom prst="rect">
+                <a:avLst/>
+              </a:prstGeom>
+              <a:blipFill rotWithShape="1">
+                <a:blip r:embed="rId3"/>
+                <a:stretch>
+                  <a:fillRect/>
+                </a:stretch>
+              </a:blipFill>
+            </p:spPr>
+            <p:txBody>
+              <a:bodyPr/>
+              <a:lstStyle/>
+              <a:p>
+                <a:r>
+                  <a:rPr lang="ko-KR" altLang="en-US">
+                    <a:noFill/>
+                  </a:rPr>
+                  <a:t> </a:t>
+                </a:r>
+              </a:p>
+            </p:txBody>
+          </p:sp>
+        </mc:Fallback>
+      </mc:AlternateContent>
+      <mc:AlternateContent xmlns:mc="http://schemas.openxmlformats.org/markup-compatibility/2006" xmlns:a14="http://schemas.microsoft.com/office/drawing/2010/main">
+        <mc:Choice Requires="a14">
+          <p:sp>
+            <p:nvSpPr>
+              <p:cNvPr id="6" name="TextBox 5"/>
+              <p:cNvSpPr txBox="1"/>
+              <p:nvPr/>
+            </p:nvSpPr>
+            <p:spPr>
+              <a:xfrm>
+                <a:off x="2027810" y="3973349"/>
+                <a:ext cx="5882188" cy="584775"/>
+              </a:xfrm>
+              <a:prstGeom prst="rect">
+                <a:avLst/>
+              </a:prstGeom>
+              <a:noFill/>
+            </p:spPr>
+            <p:txBody>
+              <a:bodyPr wrap="none" rtlCol="0">
+                <a:spAutoFit/>
+              </a:bodyPr>
+              <a:lstStyle/>
+              <a:p>
+                <a:pPr/>
+                <a14:m>
+                  <m:oMathPara xmlns:m="http://schemas.openxmlformats.org/officeDocument/2006/math">
+                    <m:oMathParaPr>
+                      <m:jc m:val="centerGroup"/>
+                    </m:oMathParaPr>
+                    <m:oMath xmlns:m="http://schemas.openxmlformats.org/officeDocument/2006/math">
+                      <m:r>
+                        <a:rPr lang="en-US" altLang="ko-KR" sz="3200" b="0" i="1" smtClean="0">
+                          <a:latin typeface="Cambria Math"/>
+                          <a:ea typeface="Cambria Math"/>
+                        </a:rPr>
+                        <m:t>⟺</m:t>
+                      </m:r>
+                      <m:r>
+                        <a:rPr lang="en-US" altLang="ko-KR" sz="3200" b="0" i="1" smtClean="0">
+                          <a:latin typeface="Cambria Math"/>
+                        </a:rPr>
+                        <m:t>𝑥</m:t>
+                      </m:r>
+                      <m:d>
+                        <m:dPr>
+                          <m:ctrlPr>
+                            <a:rPr lang="en-US" altLang="ko-KR" sz="3200" b="0" i="1" smtClean="0">
+                              <a:latin typeface="Cambria Math" panose="02040503050406030204" pitchFamily="18" charset="0"/>
+                            </a:rPr>
+                          </m:ctrlPr>
+                        </m:dPr>
+                        <m:e>
+                          <m:r>
+                            <a:rPr lang="en-US" altLang="ko-KR" sz="3200" b="0" i="1" smtClean="0">
+                              <a:latin typeface="Cambria Math"/>
+                            </a:rPr>
+                            <m:t>𝑡</m:t>
+                          </m:r>
+                          <m:r>
+                            <a:rPr lang="en-US" altLang="ko-KR" sz="3200" b="0" i="1" smtClean="0">
+                              <a:latin typeface="Cambria Math"/>
+                            </a:rPr>
+                            <m:t>+</m:t>
+                          </m:r>
+                          <m:r>
+                            <m:rPr>
+                              <m:sty m:val="p"/>
+                            </m:rPr>
+                            <a:rPr lang="en-US" altLang="ko-KR" sz="3200" b="0" i="0" smtClean="0">
+                              <a:latin typeface="Cambria Math"/>
+                            </a:rPr>
+                            <m:t>Δ</m:t>
+                          </m:r>
+                          <m:r>
+                            <a:rPr lang="en-US" altLang="ko-KR" sz="3200" b="0" i="1" smtClean="0">
+                              <a:latin typeface="Cambria Math"/>
+                            </a:rPr>
+                            <m:t>𝑡</m:t>
+                          </m:r>
+                        </m:e>
+                      </m:d>
+                      <m:r>
+                        <a:rPr lang="en-US" altLang="ko-KR" sz="3200" b="0" i="1" smtClean="0">
+                          <a:latin typeface="Cambria Math"/>
+                        </a:rPr>
+                        <m:t>=</m:t>
+                      </m:r>
+                      <m:r>
+                        <a:rPr lang="en-US" altLang="ko-KR" sz="3200" b="0" i="1" smtClean="0">
+                          <a:latin typeface="Cambria Math"/>
+                        </a:rPr>
+                        <m:t>𝑥</m:t>
+                      </m:r>
+                      <m:d>
+                        <m:dPr>
+                          <m:ctrlPr>
+                            <a:rPr lang="en-US" altLang="ko-KR" sz="3200" b="0" i="1" smtClean="0">
+                              <a:latin typeface="Cambria Math" panose="02040503050406030204" pitchFamily="18" charset="0"/>
+                            </a:rPr>
+                          </m:ctrlPr>
+                        </m:dPr>
+                        <m:e>
+                          <m:r>
+                            <a:rPr lang="en-US" altLang="ko-KR" sz="3200" b="0" i="1" smtClean="0">
+                              <a:latin typeface="Cambria Math"/>
+                            </a:rPr>
+                            <m:t>𝑡</m:t>
+                          </m:r>
+                        </m:e>
+                      </m:d>
+                      <m:r>
+                        <a:rPr lang="en-US" altLang="ko-KR" sz="3200" b="0" i="1" smtClean="0">
+                          <a:latin typeface="Cambria Math"/>
+                        </a:rPr>
+                        <m:t>+</m:t>
+                      </m:r>
+                      <m:r>
+                        <m:rPr>
+                          <m:sty m:val="p"/>
+                        </m:rPr>
+                        <a:rPr lang="en-US" altLang="ko-KR" sz="3200" b="0" i="0" smtClean="0">
+                          <a:latin typeface="Cambria Math"/>
+                        </a:rPr>
+                        <m:t>Δ</m:t>
+                      </m:r>
+                      <m:r>
+                        <a:rPr lang="en-US" altLang="ko-KR" sz="3200" b="0" i="1" smtClean="0">
+                          <a:latin typeface="Cambria Math"/>
+                        </a:rPr>
+                        <m:t>𝑡𝑓</m:t>
+                      </m:r>
+                      <m:r>
+                        <a:rPr lang="en-US" altLang="ko-KR" sz="3200" b="0" i="1" smtClean="0">
+                          <a:latin typeface="Cambria Math"/>
+                        </a:rPr>
+                        <m:t>(</m:t>
+                      </m:r>
+                      <m:r>
+                        <a:rPr lang="en-US" altLang="ko-KR" sz="3200" b="0" i="1" smtClean="0">
+                          <a:latin typeface="Cambria Math"/>
+                        </a:rPr>
+                        <m:t>𝑡</m:t>
+                      </m:r>
+                      <m:r>
+                        <a:rPr lang="en-US" altLang="ko-KR" sz="3200" b="0" i="1" smtClean="0">
+                          <a:latin typeface="Cambria Math"/>
+                        </a:rPr>
+                        <m:t>,</m:t>
+                      </m:r>
+                      <m:r>
+                        <a:rPr lang="en-US" altLang="ko-KR" sz="3200" b="0" i="1" smtClean="0">
+                          <a:latin typeface="Cambria Math"/>
+                        </a:rPr>
+                        <m:t>𝑥</m:t>
+                      </m:r>
+                      <m:r>
+                        <a:rPr lang="en-US" altLang="ko-KR" sz="3200" b="0" i="1" smtClean="0">
+                          <a:latin typeface="Cambria Math"/>
+                        </a:rPr>
+                        <m:t>)</m:t>
+                      </m:r>
+                    </m:oMath>
+                  </m:oMathPara>
+                </a14:m>
+                <a:endParaRPr lang="en-US" altLang="ko-KR" sz="3200" b="0" dirty="0"/>
+              </a:p>
+            </p:txBody>
+          </p:sp>
+        </mc:Choice>
+        <mc:Fallback xmlns="">
+          <p:sp>
+            <p:nvSpPr>
+              <p:cNvPr id="6" name="TextBox 5"/>
+              <p:cNvSpPr txBox="1">
+                <a:spLocks noRot="1" noChangeAspect="1" noMove="1" noResize="1" noEditPoints="1" noAdjustHandles="1" noChangeArrowheads="1" noChangeShapeType="1" noTextEdit="1"/>
+              </p:cNvSpPr>
+              <p:nvPr/>
+            </p:nvSpPr>
+            <p:spPr>
+              <a:xfrm>
+                <a:off x="2027810" y="3973349"/>
+                <a:ext cx="5882188" cy="584775"/>
+              </a:xfrm>
+              <a:prstGeom prst="rect">
+                <a:avLst/>
+              </a:prstGeom>
+              <a:blipFill rotWithShape="1">
+                <a:blip r:embed="rId4"/>
+                <a:stretch>
+                  <a:fillRect/>
+                </a:stretch>
+              </a:blipFill>
+            </p:spPr>
+            <p:txBody>
+              <a:bodyPr/>
+              <a:lstStyle/>
+              <a:p>
+                <a:r>
+                  <a:rPr lang="ko-KR" altLang="en-US">
+                    <a:noFill/>
+                  </a:rPr>
+                  <a:t> </a:t>
+                </a:r>
+              </a:p>
+            </p:txBody>
+          </p:sp>
+        </mc:Fallback>
+      </mc:AlternateContent>
+      <p:cxnSp>
+        <p:nvCxnSpPr>
+          <p:cNvPr id="10" name="직선 연결선 9"/>
+          <p:cNvCxnSpPr/>
+          <p:nvPr/>
+        </p:nvCxnSpPr>
+        <p:spPr>
+          <a:xfrm>
+            <a:off x="2779484" y="4540787"/>
+            <a:ext cx="1648500" cy="0"/>
+          </a:xfrm>
+          <a:prstGeom prst="line">
+            <a:avLst/>
+          </a:prstGeom>
+          <a:ln w="38100">
+            <a:solidFill>
+              <a:schemeClr val="accent6"/>
+            </a:solidFill>
+            <a:prstDash val="sysDot"/>
+          </a:ln>
+        </p:spPr>
+        <p:style>
+          <a:lnRef idx="1">
+            <a:schemeClr val="accent1"/>
+          </a:lnRef>
+          <a:fillRef idx="0">
+            <a:schemeClr val="accent1"/>
+          </a:fillRef>
+          <a:effectRef idx="0">
+            <a:schemeClr val="accent1"/>
+          </a:effectRef>
+          <a:fontRef idx="minor">
+            <a:schemeClr val="tx1"/>
+          </a:fontRef>
+        </p:style>
+      </p:cxnSp>
+      <p:cxnSp>
+        <p:nvCxnSpPr>
+          <p:cNvPr id="11" name="직선 연결선 10"/>
+          <p:cNvCxnSpPr/>
+          <p:nvPr/>
+        </p:nvCxnSpPr>
+        <p:spPr>
+          <a:xfrm>
+            <a:off x="4860032" y="4540787"/>
+            <a:ext cx="824250" cy="0"/>
+          </a:xfrm>
+          <a:prstGeom prst="line">
+            <a:avLst/>
+          </a:prstGeom>
+          <a:ln w="38100">
+            <a:prstDash val="sysDot"/>
+          </a:ln>
+        </p:spPr>
+        <p:style>
+          <a:lnRef idx="1">
+            <a:schemeClr val="accent1"/>
+          </a:lnRef>
+          <a:fillRef idx="0">
+            <a:schemeClr val="accent1"/>
+          </a:fillRef>
+          <a:effectRef idx="0">
+            <a:schemeClr val="accent1"/>
+          </a:effectRef>
+          <a:fontRef idx="minor">
+            <a:schemeClr val="tx1"/>
+          </a:fontRef>
+        </p:style>
+      </p:cxnSp>
+      <p:cxnSp>
+        <p:nvCxnSpPr>
+          <p:cNvPr id="13" name="직선 연결선 12"/>
+          <p:cNvCxnSpPr/>
+          <p:nvPr/>
+        </p:nvCxnSpPr>
+        <p:spPr>
+          <a:xfrm>
+            <a:off x="6136960" y="4540787"/>
+            <a:ext cx="1603392" cy="0"/>
+          </a:xfrm>
+          <a:prstGeom prst="line">
+            <a:avLst/>
+          </a:prstGeom>
+          <a:ln w="38100">
+            <a:solidFill>
+              <a:schemeClr val="accent3"/>
+            </a:solidFill>
+            <a:prstDash val="sysDot"/>
+          </a:ln>
+        </p:spPr>
+        <p:style>
+          <a:lnRef idx="1">
+            <a:schemeClr val="accent1"/>
+          </a:lnRef>
+          <a:fillRef idx="0">
+            <a:schemeClr val="accent1"/>
+          </a:fillRef>
+          <a:effectRef idx="0">
+            <a:schemeClr val="accent1"/>
+          </a:effectRef>
+          <a:fontRef idx="minor">
+            <a:schemeClr val="tx1"/>
+          </a:fontRef>
+        </p:style>
+      </p:cxnSp>
+      <p:sp>
+        <p:nvSpPr>
+          <p:cNvPr id="15" name="TextBox 14"/>
+          <p:cNvSpPr txBox="1"/>
+          <p:nvPr/>
+        </p:nvSpPr>
+        <p:spPr>
+          <a:xfrm>
+            <a:off x="2891433" y="4537318"/>
+            <a:ext cx="1430584" cy="646331"/>
+          </a:xfrm>
+          <a:prstGeom prst="rect">
+            <a:avLst/>
+          </a:prstGeom>
+          <a:noFill/>
+        </p:spPr>
+        <p:txBody>
+          <a:bodyPr wrap="none" rtlCol="0">
+            <a:spAutoFit/>
+          </a:bodyPr>
+          <a:lstStyle/>
+          <a:p>
+            <a:pPr algn="ctr"/>
+            <a:r>
+              <a:rPr lang="en-US" altLang="ko-KR" b="1" dirty="0">
+                <a:solidFill>
+                  <a:schemeClr val="accent6"/>
+                </a:solidFill>
+                <a:latin typeface="KoPub돋움체 Bold" pitchFamily="18" charset="-127"/>
+                <a:ea typeface="KoPub돋움체 Bold" pitchFamily="18" charset="-127"/>
+              </a:rPr>
+              <a:t>The value </a:t>
+            </a:r>
+          </a:p>
+          <a:p>
+            <a:pPr algn="ctr"/>
+            <a:r>
+              <a:rPr lang="en-US" altLang="ko-KR" b="1" dirty="0">
+                <a:solidFill>
+                  <a:schemeClr val="accent6"/>
+                </a:solidFill>
+                <a:latin typeface="KoPub돋움체 Bold" pitchFamily="18" charset="-127"/>
+                <a:ea typeface="KoPub돋움체 Bold" pitchFamily="18" charset="-127"/>
+              </a:rPr>
+              <a:t>of next step</a:t>
+            </a:r>
+            <a:endParaRPr lang="ko-KR" altLang="en-US" b="1" dirty="0">
+              <a:solidFill>
+                <a:schemeClr val="accent6"/>
+              </a:solidFill>
+              <a:latin typeface="KoPub돋움체 Bold" pitchFamily="18" charset="-127"/>
+              <a:ea typeface="KoPub돋움체 Bold" pitchFamily="18" charset="-127"/>
+            </a:endParaRPr>
+          </a:p>
+        </p:txBody>
+      </p:sp>
+      <p:sp>
+        <p:nvSpPr>
+          <p:cNvPr id="16" name="TextBox 15"/>
+          <p:cNvSpPr txBox="1"/>
+          <p:nvPr/>
+        </p:nvSpPr>
+        <p:spPr>
+          <a:xfrm>
+            <a:off x="4781732" y="4537318"/>
+            <a:ext cx="970971" cy="646331"/>
+          </a:xfrm>
+          <a:prstGeom prst="rect">
+            <a:avLst/>
+          </a:prstGeom>
+          <a:noFill/>
+        </p:spPr>
+        <p:txBody>
+          <a:bodyPr wrap="none" rtlCol="0">
+            <a:spAutoFit/>
+          </a:bodyPr>
+          <a:lstStyle/>
+          <a:p>
+            <a:pPr algn="ctr"/>
+            <a:r>
+              <a:rPr lang="en-US" altLang="ko-KR" b="1" dirty="0">
+                <a:solidFill>
+                  <a:schemeClr val="accent1"/>
+                </a:solidFill>
+                <a:latin typeface="KoPub돋움체 Bold" pitchFamily="18" charset="-127"/>
+                <a:ea typeface="KoPub돋움체 Bold" pitchFamily="18" charset="-127"/>
+              </a:rPr>
+              <a:t>present</a:t>
+            </a:r>
+          </a:p>
+          <a:p>
+            <a:pPr algn="ctr"/>
+            <a:r>
+              <a:rPr lang="en-US" altLang="ko-KR" b="1" dirty="0">
+                <a:solidFill>
+                  <a:schemeClr val="accent1"/>
+                </a:solidFill>
+                <a:latin typeface="KoPub돋움체 Bold" pitchFamily="18" charset="-127"/>
+                <a:ea typeface="KoPub돋움체 Bold" pitchFamily="18" charset="-127"/>
+              </a:rPr>
+              <a:t>value</a:t>
+            </a:r>
+            <a:endParaRPr lang="ko-KR" altLang="en-US" b="1" dirty="0">
+              <a:solidFill>
+                <a:schemeClr val="accent1"/>
+              </a:solidFill>
+              <a:latin typeface="KoPub돋움체 Bold" pitchFamily="18" charset="-127"/>
+              <a:ea typeface="KoPub돋움체 Bold" pitchFamily="18" charset="-127"/>
+            </a:endParaRPr>
+          </a:p>
+        </p:txBody>
+      </p:sp>
+      <p:sp>
+        <p:nvSpPr>
+          <p:cNvPr id="17" name="TextBox 16"/>
+          <p:cNvSpPr txBox="1"/>
+          <p:nvPr/>
+        </p:nvSpPr>
+        <p:spPr>
+          <a:xfrm>
+            <a:off x="6209134" y="4537318"/>
+            <a:ext cx="1426994" cy="646331"/>
+          </a:xfrm>
+          <a:prstGeom prst="rect">
+            <a:avLst/>
+          </a:prstGeom>
+          <a:noFill/>
+        </p:spPr>
+        <p:txBody>
+          <a:bodyPr wrap="none" rtlCol="0">
+            <a:spAutoFit/>
+          </a:bodyPr>
+          <a:lstStyle/>
+          <a:p>
+            <a:pPr algn="ctr"/>
+            <a:r>
+              <a:rPr lang="en-US" altLang="ko-KR" b="1" dirty="0">
+                <a:solidFill>
+                  <a:schemeClr val="accent3"/>
+                </a:solidFill>
+                <a:latin typeface="KoPub돋움체 Bold" pitchFamily="18" charset="-127"/>
+                <a:ea typeface="KoPub돋움체 Bold" pitchFamily="18" charset="-127"/>
+              </a:rPr>
+              <a:t>The amount</a:t>
+            </a:r>
+          </a:p>
+          <a:p>
+            <a:pPr algn="ctr"/>
+            <a:r>
+              <a:rPr lang="en-US" altLang="ko-KR" b="1" dirty="0">
+                <a:solidFill>
+                  <a:schemeClr val="accent3"/>
+                </a:solidFill>
+                <a:latin typeface="KoPub돋움체 Bold" pitchFamily="18" charset="-127"/>
+                <a:ea typeface="KoPub돋움체 Bold" pitchFamily="18" charset="-127"/>
+              </a:rPr>
+              <a:t>of growth</a:t>
+            </a:r>
+            <a:endParaRPr lang="ko-KR" altLang="en-US" b="1" dirty="0">
+              <a:solidFill>
+                <a:schemeClr val="accent3"/>
+              </a:solidFill>
+              <a:latin typeface="KoPub돋움체 Bold" pitchFamily="18" charset="-127"/>
+              <a:ea typeface="KoPub돋움체 Bold" pitchFamily="18" charset="-127"/>
+            </a:endParaRPr>
+          </a:p>
+        </p:txBody>
+      </p:sp>
+      <p:sp>
+        <p:nvSpPr>
+          <p:cNvPr id="19" name="TextBox 18"/>
+          <p:cNvSpPr txBox="1"/>
+          <p:nvPr/>
+        </p:nvSpPr>
+        <p:spPr>
+          <a:xfrm>
+            <a:off x="244030" y="5229200"/>
+            <a:ext cx="8655959" cy="461665"/>
+          </a:xfrm>
+          <a:prstGeom prst="rect">
+            <a:avLst/>
+          </a:prstGeom>
+          <a:noFill/>
+        </p:spPr>
+        <p:txBody>
+          <a:bodyPr wrap="none" rtlCol="0">
+            <a:spAutoFit/>
+          </a:bodyPr>
+          <a:lstStyle/>
+          <a:p>
+            <a:pPr algn="ctr"/>
+            <a:r>
+              <a:rPr lang="ko-KR" altLang="en-US" sz="2400" dirty="0">
+                <a:solidFill>
+                  <a:schemeClr val="accent5"/>
+                </a:solidFill>
+                <a:latin typeface="KoPub돋움체 Bold" pitchFamily="18" charset="-127"/>
+                <a:ea typeface="KoPub돋움체 Bold" pitchFamily="18" charset="-127"/>
+              </a:rPr>
+              <a:t>☆★☆</a:t>
+            </a:r>
+            <a:r>
+              <a:rPr lang="en-US" altLang="ko-KR" sz="2400" dirty="0">
+                <a:solidFill>
+                  <a:schemeClr val="accent5"/>
+                </a:solidFill>
+                <a:latin typeface="KoPub돋움체 Bold" pitchFamily="18" charset="-127"/>
+                <a:ea typeface="KoPub돋움체 Bold" pitchFamily="18" charset="-127"/>
+              </a:rPr>
+              <a:t>Differential equation describes growth along time</a:t>
+            </a:r>
+            <a:r>
+              <a:rPr lang="ko-KR" altLang="en-US" sz="2400" dirty="0">
+                <a:solidFill>
+                  <a:schemeClr val="accent5"/>
+                </a:solidFill>
+                <a:latin typeface="KoPub돋움체 Bold" pitchFamily="18" charset="-127"/>
+                <a:ea typeface="KoPub돋움체 Bold" pitchFamily="18" charset="-127"/>
+              </a:rPr>
+              <a:t>☆★☆</a:t>
+            </a:r>
+          </a:p>
+        </p:txBody>
+      </p:sp>
+    </p:spTree>
+    <p:extLst>
+      <p:ext uri="{BB962C8B-B14F-4D97-AF65-F5344CB8AC3E}">
+        <p14:creationId xmlns:p14="http://schemas.microsoft.com/office/powerpoint/2010/main" val="230939912"/>
+      </p:ext>
+    </p:extLst>
+  </p:cSld>
+  <p:clrMapOvr>
+    <a:masterClrMapping/>
+  </p:clrMapOvr>
+</p:sld>
+</file>
+
+<file path=ppt/slides/slide3.xml><?xml version="1.0" encoding="utf-8"?>
 <p:sld xmlns:a="http://schemas.openxmlformats.org/drawingml/2006/main" xmlns:r="http://schemas.openxmlformats.org/officeDocument/2006/relationships" xmlns:p="http://schemas.openxmlformats.org/presentationml/2006/main">
   <p:cSld>
     <p:spTree>
@@ -4004,8 +4911,8 @@
           </a:extLst>
         </p:spPr>
       </p:pic>
-      <mc:AlternateContent xmlns:mc="http://schemas.openxmlformats.org/markup-compatibility/2006">
-        <mc:Choice xmlns:a14="http://schemas.microsoft.com/office/drawing/2010/main" Requires="a14">
+      <mc:AlternateContent xmlns:mc="http://schemas.openxmlformats.org/markup-compatibility/2006" xmlns:a14="http://schemas.microsoft.com/office/drawing/2010/main">
+        <mc:Choice Requires="a14">
           <p:sp>
             <p:nvSpPr>
               <p:cNvPr id="4" name="TextBox 3"/>
@@ -4028,6 +4935,7 @@
               </a:bodyPr>
               <a:lstStyle/>
               <a:p>
+                <a:pPr/>
                 <a14:m>
                   <m:oMathPara xmlns:m="http://schemas.openxmlformats.org/officeDocument/2006/math">
                     <m:oMathParaPr>
@@ -4038,7 +4946,7 @@
                         <m:sSubPr>
                           <m:ctrlPr>
                             <a:rPr lang="en-US" altLang="ko-KR" b="0" i="1" smtClean="0">
-                              <a:latin typeface="Cambria Math"/>
+                              <a:latin typeface="Cambria Math" panose="02040503050406030204" pitchFamily="18" charset="0"/>
                             </a:rPr>
                           </m:ctrlPr>
                         </m:sSubPr>
@@ -4067,7 +4975,7 @@
             </p:txBody>
           </p:sp>
         </mc:Choice>
-        <mc:Fallback>
+        <mc:Fallback xmlns="">
           <p:sp>
             <p:nvSpPr>
               <p:cNvPr id="4" name="TextBox 3"/>
@@ -4106,8 +5014,8 @@
           </p:sp>
         </mc:Fallback>
       </mc:AlternateContent>
-      <mc:AlternateContent xmlns:mc="http://schemas.openxmlformats.org/markup-compatibility/2006">
-        <mc:Choice xmlns:a14="http://schemas.microsoft.com/office/drawing/2010/main" Requires="a14">
+      <mc:AlternateContent xmlns:mc="http://schemas.openxmlformats.org/markup-compatibility/2006" xmlns:a14="http://schemas.microsoft.com/office/drawing/2010/main">
+        <mc:Choice Requires="a14">
           <p:sp>
             <p:nvSpPr>
               <p:cNvPr id="6" name="TextBox 5"/>
@@ -4130,6 +5038,7 @@
               </a:bodyPr>
               <a:lstStyle/>
               <a:p>
+                <a:pPr/>
                 <a14:m>
                   <m:oMathPara xmlns:m="http://schemas.openxmlformats.org/officeDocument/2006/math">
                     <m:oMathParaPr>
@@ -4140,7 +5049,7 @@
                         <m:sSubPr>
                           <m:ctrlPr>
                             <a:rPr lang="en-US" altLang="ko-KR" b="0" i="1" smtClean="0">
-                              <a:latin typeface="Cambria Math"/>
+                              <a:latin typeface="Cambria Math" panose="02040503050406030204" pitchFamily="18" charset="0"/>
                             </a:rPr>
                           </m:ctrlPr>
                         </m:sSubPr>
@@ -4190,7 +5099,7 @@
             </p:txBody>
           </p:sp>
         </mc:Choice>
-        <mc:Fallback>
+        <mc:Fallback xmlns="">
           <p:sp>
             <p:nvSpPr>
               <p:cNvPr id="6" name="TextBox 5"/>
@@ -4229,8 +5138,8 @@
           </p:sp>
         </mc:Fallback>
       </mc:AlternateContent>
-      <mc:AlternateContent xmlns:mc="http://schemas.openxmlformats.org/markup-compatibility/2006">
-        <mc:Choice xmlns:a14="http://schemas.microsoft.com/office/drawing/2010/main" Requires="a14">
+      <mc:AlternateContent xmlns:mc="http://schemas.openxmlformats.org/markup-compatibility/2006" xmlns:a14="http://schemas.microsoft.com/office/drawing/2010/main">
+        <mc:Choice Requires="a14">
           <p:sp>
             <p:nvSpPr>
               <p:cNvPr id="7" name="TextBox 6"/>
@@ -4253,6 +5162,7 @@
               </a:bodyPr>
               <a:lstStyle/>
               <a:p>
+                <a:pPr/>
                 <a14:m>
                   <m:oMathPara xmlns:m="http://schemas.openxmlformats.org/officeDocument/2006/math">
                     <m:oMathParaPr>
@@ -4263,7 +5173,7 @@
                         <m:sSubPr>
                           <m:ctrlPr>
                             <a:rPr lang="en-US" altLang="ko-KR" b="0" i="1" smtClean="0">
-                              <a:latin typeface="Cambria Math"/>
+                              <a:latin typeface="Cambria Math" panose="02040503050406030204" pitchFamily="18" charset="0"/>
                             </a:rPr>
                           </m:ctrlPr>
                         </m:sSubPr>
@@ -4313,7 +5223,7 @@
             </p:txBody>
           </p:sp>
         </mc:Choice>
-        <mc:Fallback>
+        <mc:Fallback xmlns="">
           <p:sp>
             <p:nvSpPr>
               <p:cNvPr id="7" name="TextBox 6"/>
@@ -4352,8 +5262,8 @@
           </p:sp>
         </mc:Fallback>
       </mc:AlternateContent>
-      <mc:AlternateContent xmlns:mc="http://schemas.openxmlformats.org/markup-compatibility/2006">
-        <mc:Choice xmlns:a14="http://schemas.microsoft.com/office/drawing/2010/main" Requires="a14">
+      <mc:AlternateContent xmlns:mc="http://schemas.openxmlformats.org/markup-compatibility/2006" xmlns:a14="http://schemas.microsoft.com/office/drawing/2010/main">
+        <mc:Choice Requires="a14">
           <p:sp>
             <p:nvSpPr>
               <p:cNvPr id="9" name="TextBox 8"/>
@@ -4376,6 +5286,7 @@
               </a:bodyPr>
               <a:lstStyle/>
               <a:p>
+                <a:pPr/>
                 <a14:m>
                   <m:oMathPara xmlns:m="http://schemas.openxmlformats.org/officeDocument/2006/math">
                     <m:oMathParaPr>
@@ -4398,7 +5309,7 @@
                         <m:sSubPr>
                           <m:ctrlPr>
                             <a:rPr lang="en-US" altLang="ko-KR" b="0" i="1" smtClean="0">
-                              <a:latin typeface="Cambria Math"/>
+                              <a:latin typeface="Cambria Math" panose="02040503050406030204" pitchFamily="18" charset="0"/>
                             </a:rPr>
                           </m:ctrlPr>
                         </m:sSubPr>
@@ -4433,7 +5344,7 @@
             </p:txBody>
           </p:sp>
         </mc:Choice>
-        <mc:Fallback>
+        <mc:Fallback xmlns="">
           <p:sp>
             <p:nvSpPr>
               <p:cNvPr id="9" name="TextBox 8"/>
@@ -4472,8 +5383,8 @@
           </p:sp>
         </mc:Fallback>
       </mc:AlternateContent>
-      <mc:AlternateContent xmlns:mc="http://schemas.openxmlformats.org/markup-compatibility/2006">
-        <mc:Choice xmlns:a14="http://schemas.microsoft.com/office/drawing/2010/main" Requires="a14">
+      <mc:AlternateContent xmlns:mc="http://schemas.openxmlformats.org/markup-compatibility/2006" xmlns:a14="http://schemas.microsoft.com/office/drawing/2010/main">
+        <mc:Choice Requires="a14">
           <p:sp>
             <p:nvSpPr>
               <p:cNvPr id="10" name="TextBox 9"/>
@@ -4496,6 +5407,7 @@
               </a:bodyPr>
               <a:lstStyle/>
               <a:p>
+                <a:pPr/>
                 <a14:m>
                   <m:oMathPara xmlns:m="http://schemas.openxmlformats.org/officeDocument/2006/math">
                     <m:oMathParaPr>
@@ -4534,7 +5446,7 @@
             </p:txBody>
           </p:sp>
         </mc:Choice>
-        <mc:Fallback>
+        <mc:Fallback xmlns="">
           <p:sp>
             <p:nvSpPr>
               <p:cNvPr id="10" name="TextBox 9"/>
@@ -4573,8 +5485,8 @@
           </p:sp>
         </mc:Fallback>
       </mc:AlternateContent>
-      <mc:AlternateContent xmlns:mc="http://schemas.openxmlformats.org/markup-compatibility/2006">
-        <mc:Choice xmlns:a14="http://schemas.microsoft.com/office/drawing/2010/main" Requires="a14">
+      <mc:AlternateContent xmlns:mc="http://schemas.openxmlformats.org/markup-compatibility/2006" xmlns:a14="http://schemas.microsoft.com/office/drawing/2010/main">
+        <mc:Choice Requires="a14">
           <p:sp>
             <p:nvSpPr>
               <p:cNvPr id="11" name="TextBox 10"/>
@@ -4597,6 +5509,7 @@
               </a:bodyPr>
               <a:lstStyle/>
               <a:p>
+                <a:pPr/>
                 <a14:m>
                   <m:oMathPara xmlns:m="http://schemas.openxmlformats.org/officeDocument/2006/math">
                     <m:oMathParaPr>
@@ -4619,7 +5532,7 @@
                         <m:sSubPr>
                           <m:ctrlPr>
                             <a:rPr lang="en-US" altLang="ko-KR" b="0" i="1" smtClean="0">
-                              <a:latin typeface="Cambria Math"/>
+                              <a:latin typeface="Cambria Math" panose="02040503050406030204" pitchFamily="18" charset="0"/>
                             </a:rPr>
                           </m:ctrlPr>
                         </m:sSubPr>
@@ -4675,7 +5588,7 @@
             </p:txBody>
           </p:sp>
         </mc:Choice>
-        <mc:Fallback>
+        <mc:Fallback xmlns="">
           <p:sp>
             <p:nvSpPr>
               <p:cNvPr id="11" name="TextBox 10"/>
@@ -4861,8 +5774,8 @@
           </a:fontRef>
         </p:style>
       </p:cxnSp>
-      <mc:AlternateContent xmlns:mc="http://schemas.openxmlformats.org/markup-compatibility/2006">
-        <mc:Choice xmlns:a14="http://schemas.microsoft.com/office/drawing/2010/main" Requires="a14">
+      <mc:AlternateContent xmlns:mc="http://schemas.openxmlformats.org/markup-compatibility/2006" xmlns:a14="http://schemas.microsoft.com/office/drawing/2010/main">
+        <mc:Choice Requires="a14">
           <p:sp>
             <p:nvSpPr>
               <p:cNvPr id="21" name="TextBox 20"/>
@@ -4885,6 +5798,7 @@
               </a:bodyPr>
               <a:lstStyle/>
               <a:p>
+                <a:pPr/>
                 <a14:m>
                   <m:oMathPara xmlns:m="http://schemas.openxmlformats.org/officeDocument/2006/math">
                     <m:oMathParaPr>
@@ -4907,7 +5821,7 @@
                         <m:sSubPr>
                           <m:ctrlPr>
                             <a:rPr lang="en-US" altLang="ko-KR" b="0" i="1" smtClean="0">
-                              <a:latin typeface="Cambria Math"/>
+                              <a:latin typeface="Cambria Math" panose="02040503050406030204" pitchFamily="18" charset="0"/>
                             </a:rPr>
                           </m:ctrlPr>
                         </m:sSubPr>
@@ -4963,7 +5877,7 @@
             </p:txBody>
           </p:sp>
         </mc:Choice>
-        <mc:Fallback>
+        <mc:Fallback xmlns="">
           <p:sp>
             <p:nvSpPr>
               <p:cNvPr id="21" name="TextBox 20"/>
@@ -5002,8 +5916,8 @@
           </p:sp>
         </mc:Fallback>
       </mc:AlternateContent>
-      <mc:AlternateContent xmlns:mc="http://schemas.openxmlformats.org/markup-compatibility/2006">
-        <mc:Choice xmlns:a14="http://schemas.microsoft.com/office/drawing/2010/main" Requires="a14">
+      <mc:AlternateContent xmlns:mc="http://schemas.openxmlformats.org/markup-compatibility/2006" xmlns:a14="http://schemas.microsoft.com/office/drawing/2010/main">
+        <mc:Choice Requires="a14">
           <p:sp>
             <p:nvSpPr>
               <p:cNvPr id="22" name="TextBox 21"/>
@@ -5026,6 +5940,7 @@
               </a:bodyPr>
               <a:lstStyle/>
               <a:p>
+                <a:pPr/>
                 <a14:m>
                   <m:oMathPara xmlns:m="http://schemas.openxmlformats.org/officeDocument/2006/math">
                     <m:oMathParaPr>
@@ -5048,7 +5963,7 @@
                               <a:solidFill>
                                 <a:srgbClr val="666666"/>
                               </a:solidFill>
-                              <a:latin typeface="Cambria Math"/>
+                              <a:latin typeface="Cambria Math" panose="02040503050406030204" pitchFamily="18" charset="0"/>
                             </a:rPr>
                           </m:ctrlPr>
                         </m:dPr>
@@ -5103,7 +6018,7 @@
             </p:txBody>
           </p:sp>
         </mc:Choice>
-        <mc:Fallback>
+        <mc:Fallback xmlns="">
           <p:sp>
             <p:nvSpPr>
               <p:cNvPr id="22" name="TextBox 21"/>
@@ -5142,8 +6057,8 @@
           </p:sp>
         </mc:Fallback>
       </mc:AlternateContent>
-      <mc:AlternateContent xmlns:mc="http://schemas.openxmlformats.org/markup-compatibility/2006">
-        <mc:Choice xmlns:a14="http://schemas.microsoft.com/office/drawing/2010/main" Requires="a14">
+      <mc:AlternateContent xmlns:mc="http://schemas.openxmlformats.org/markup-compatibility/2006" xmlns:a14="http://schemas.microsoft.com/office/drawing/2010/main">
+        <mc:Choice Requires="a14">
           <p:sp>
             <p:nvSpPr>
               <p:cNvPr id="23" name="TextBox 22"/>
@@ -5166,6 +6081,7 @@
               </a:bodyPr>
               <a:lstStyle/>
               <a:p>
+                <a:pPr/>
                 <a14:m>
                   <m:oMathPara xmlns:m="http://schemas.openxmlformats.org/officeDocument/2006/math">
                     <m:oMathParaPr>
@@ -5188,7 +6104,7 @@
                               <a:solidFill>
                                 <a:srgbClr val="666666"/>
                               </a:solidFill>
-                              <a:latin typeface="Cambria Math"/>
+                              <a:latin typeface="Cambria Math" panose="02040503050406030204" pitchFamily="18" charset="0"/>
                             </a:rPr>
                           </m:ctrlPr>
                         </m:dPr>
@@ -5243,7 +6159,7 @@
             </p:txBody>
           </p:sp>
         </mc:Choice>
-        <mc:Fallback>
+        <mc:Fallback xmlns="">
           <p:sp>
             <p:nvSpPr>
               <p:cNvPr id="23" name="TextBox 22"/>
@@ -5282,8 +6198,8 @@
           </p:sp>
         </mc:Fallback>
       </mc:AlternateContent>
-      <mc:AlternateContent xmlns:mc="http://schemas.openxmlformats.org/markup-compatibility/2006">
-        <mc:Choice xmlns:a14="http://schemas.microsoft.com/office/drawing/2010/main" Requires="a14">
+      <mc:AlternateContent xmlns:mc="http://schemas.openxmlformats.org/markup-compatibility/2006" xmlns:a14="http://schemas.microsoft.com/office/drawing/2010/main">
+        <mc:Choice Requires="a14">
           <p:sp>
             <p:nvSpPr>
               <p:cNvPr id="24" name="TextBox 23"/>
@@ -5306,6 +6222,7 @@
               </a:bodyPr>
               <a:lstStyle/>
               <a:p>
+                <a:pPr/>
                 <a14:m>
                   <m:oMathPara xmlns:m="http://schemas.openxmlformats.org/officeDocument/2006/math">
                     <m:oMathParaPr>
@@ -5328,7 +6245,7 @@
                               <a:solidFill>
                                 <a:srgbClr val="666666"/>
                               </a:solidFill>
-                              <a:latin typeface="Cambria Math"/>
+                              <a:latin typeface="Cambria Math" panose="02040503050406030204" pitchFamily="18" charset="0"/>
                             </a:rPr>
                           </m:ctrlPr>
                         </m:dPr>
@@ -5383,7 +6300,7 @@
             </p:txBody>
           </p:sp>
         </mc:Choice>
-        <mc:Fallback>
+        <mc:Fallback xmlns="">
           <p:sp>
             <p:nvSpPr>
               <p:cNvPr id="24" name="TextBox 23"/>
